--- a/NLP.pptx
+++ b/NLP.pptx
@@ -4,6 +4,9 @@
   <p:sldMasterIdLst>
     <p:sldMasterId id="2147483648" r:id="rId1"/>
   </p:sldMasterIdLst>
+  <p:notesMasterIdLst>
+    <p:notesMasterId r:id="rId15"/>
+  </p:notesMasterIdLst>
   <p:sldIdLst>
     <p:sldId id="256" r:id="rId2"/>
     <p:sldId id="257" r:id="rId3"/>
@@ -12,9 +15,12 @@
     <p:sldId id="260" r:id="rId6"/>
     <p:sldId id="261" r:id="rId7"/>
     <p:sldId id="262" r:id="rId8"/>
-    <p:sldId id="263" r:id="rId9"/>
-    <p:sldId id="264" r:id="rId10"/>
-    <p:sldId id="265" r:id="rId11"/>
+    <p:sldId id="270" r:id="rId9"/>
+    <p:sldId id="263" r:id="rId10"/>
+    <p:sldId id="268" r:id="rId11"/>
+    <p:sldId id="267" r:id="rId12"/>
+    <p:sldId id="266" r:id="rId13"/>
+    <p:sldId id="265" r:id="rId14"/>
   </p:sldIdLst>
   <p:sldSz cx="12192000" cy="6858000"/>
   <p:notesSz cx="6858000" cy="9144000"/>
@@ -113,7 +119,529 @@
       </a:defRPr>
     </a:lvl9pPr>
   </p:defaultTextStyle>
+  <p:extLst>
+    <p:ext uri="{EFAFB233-063F-42B5-8137-9DF3F51BA10A}">
+      <p15:sldGuideLst xmlns:p15="http://schemas.microsoft.com/office/powerpoint/2012/main"/>
+    </p:ext>
+  </p:extLst>
 </p:presentation>
+</file>
+
+<file path=ppt/notesMasters/notesMaster1.xml><?xml version="1.0" encoding="utf-8"?>
+<p:notesMaster xmlns:a="http://schemas.openxmlformats.org/drawingml/2006/main" xmlns:r="http://schemas.openxmlformats.org/officeDocument/2006/relationships" xmlns:p="http://schemas.openxmlformats.org/presentationml/2006/main">
+  <p:cSld>
+    <p:bg>
+      <p:bgRef idx="1001">
+        <a:schemeClr val="bg1"/>
+      </p:bgRef>
+    </p:bg>
+    <p:spTree>
+      <p:nvGrpSpPr>
+        <p:cNvPr id="1" name=""/>
+        <p:cNvGrpSpPr/>
+        <p:nvPr/>
+      </p:nvGrpSpPr>
+      <p:grpSpPr>
+        <a:xfrm>
+          <a:off x="0" y="0"/>
+          <a:ext cx="0" cy="0"/>
+          <a:chOff x="0" y="0"/>
+          <a:chExt cx="0" cy="0"/>
+        </a:xfrm>
+      </p:grpSpPr>
+      <p:sp>
+        <p:nvSpPr>
+          <p:cNvPr id="2" name="Header Placeholder 1"/>
+          <p:cNvSpPr>
+            <a:spLocks noGrp="1"/>
+          </p:cNvSpPr>
+          <p:nvPr>
+            <p:ph type="hdr" sz="quarter"/>
+          </p:nvPr>
+        </p:nvSpPr>
+        <p:spPr>
+          <a:xfrm>
+            <a:off x="0" y="0"/>
+            <a:ext cx="2971800" cy="458788"/>
+          </a:xfrm>
+          <a:prstGeom prst="rect">
+            <a:avLst/>
+          </a:prstGeom>
+        </p:spPr>
+        <p:txBody>
+          <a:bodyPr vert="horz" lIns="91440" tIns="45720" rIns="91440" bIns="45720" rtlCol="0"/>
+          <a:lstStyle>
+            <a:lvl1pPr algn="l">
+              <a:defRPr sz="1200"/>
+            </a:lvl1pPr>
+          </a:lstStyle>
+          <a:p>
+            <a:endParaRPr lang="en-US"/>
+          </a:p>
+        </p:txBody>
+      </p:sp>
+      <p:sp>
+        <p:nvSpPr>
+          <p:cNvPr id="3" name="Date Placeholder 2"/>
+          <p:cNvSpPr>
+            <a:spLocks noGrp="1"/>
+          </p:cNvSpPr>
+          <p:nvPr>
+            <p:ph type="dt" idx="1"/>
+          </p:nvPr>
+        </p:nvSpPr>
+        <p:spPr>
+          <a:xfrm>
+            <a:off x="3884613" y="0"/>
+            <a:ext cx="2971800" cy="458788"/>
+          </a:xfrm>
+          <a:prstGeom prst="rect">
+            <a:avLst/>
+          </a:prstGeom>
+        </p:spPr>
+        <p:txBody>
+          <a:bodyPr vert="horz" lIns="91440" tIns="45720" rIns="91440" bIns="45720" rtlCol="0"/>
+          <a:lstStyle>
+            <a:lvl1pPr algn="r">
+              <a:defRPr sz="1200"/>
+            </a:lvl1pPr>
+          </a:lstStyle>
+          <a:p>
+            <a:fld id="{0B7C051F-3201-B44C-9585-908E01D39ACE}" type="datetimeFigureOut">
+              <a:rPr lang="en-US" smtClean="0"/>
+              <a:t>8/10/22</a:t>
+            </a:fld>
+            <a:endParaRPr lang="en-US"/>
+          </a:p>
+        </p:txBody>
+      </p:sp>
+      <p:sp>
+        <p:nvSpPr>
+          <p:cNvPr id="4" name="Slide Image Placeholder 3"/>
+          <p:cNvSpPr>
+            <a:spLocks noGrp="1" noRot="1" noChangeAspect="1"/>
+          </p:cNvSpPr>
+          <p:nvPr>
+            <p:ph type="sldImg" idx="2"/>
+          </p:nvPr>
+        </p:nvSpPr>
+        <p:spPr>
+          <a:xfrm>
+            <a:off x="685800" y="1143000"/>
+            <a:ext cx="5486400" cy="3086100"/>
+          </a:xfrm>
+          <a:prstGeom prst="rect">
+            <a:avLst/>
+          </a:prstGeom>
+          <a:noFill/>
+          <a:ln w="12700">
+            <a:solidFill>
+              <a:prstClr val="black"/>
+            </a:solidFill>
+          </a:ln>
+        </p:spPr>
+        <p:txBody>
+          <a:bodyPr vert="horz" lIns="91440" tIns="45720" rIns="91440" bIns="45720" rtlCol="0" anchor="ctr"/>
+          <a:lstStyle/>
+          <a:p>
+            <a:endParaRPr lang="en-US"/>
+          </a:p>
+        </p:txBody>
+      </p:sp>
+      <p:sp>
+        <p:nvSpPr>
+          <p:cNvPr id="5" name="Notes Placeholder 4"/>
+          <p:cNvSpPr>
+            <a:spLocks noGrp="1"/>
+          </p:cNvSpPr>
+          <p:nvPr>
+            <p:ph type="body" sz="quarter" idx="3"/>
+          </p:nvPr>
+        </p:nvSpPr>
+        <p:spPr>
+          <a:xfrm>
+            <a:off x="685800" y="4400550"/>
+            <a:ext cx="5486400" cy="3600450"/>
+          </a:xfrm>
+          <a:prstGeom prst="rect">
+            <a:avLst/>
+          </a:prstGeom>
+        </p:spPr>
+        <p:txBody>
+          <a:bodyPr vert="horz" lIns="91440" tIns="45720" rIns="91440" bIns="45720" rtlCol="0"/>
+          <a:lstStyle/>
+          <a:p>
+            <a:pPr lvl="0"/>
+            <a:r>
+              <a:rPr lang="en-US"/>
+              <a:t>Click to edit Master text styles</a:t>
+            </a:r>
+          </a:p>
+          <a:p>
+            <a:pPr lvl="1"/>
+            <a:r>
+              <a:rPr lang="en-US"/>
+              <a:t>Second level</a:t>
+            </a:r>
+          </a:p>
+          <a:p>
+            <a:pPr lvl="2"/>
+            <a:r>
+              <a:rPr lang="en-US"/>
+              <a:t>Third level</a:t>
+            </a:r>
+          </a:p>
+          <a:p>
+            <a:pPr lvl="3"/>
+            <a:r>
+              <a:rPr lang="en-US"/>
+              <a:t>Fourth level</a:t>
+            </a:r>
+          </a:p>
+          <a:p>
+            <a:pPr lvl="4"/>
+            <a:r>
+              <a:rPr lang="en-US"/>
+              <a:t>Fifth level</a:t>
+            </a:r>
+          </a:p>
+        </p:txBody>
+      </p:sp>
+      <p:sp>
+        <p:nvSpPr>
+          <p:cNvPr id="6" name="Footer Placeholder 5"/>
+          <p:cNvSpPr>
+            <a:spLocks noGrp="1"/>
+          </p:cNvSpPr>
+          <p:nvPr>
+            <p:ph type="ftr" sz="quarter" idx="4"/>
+          </p:nvPr>
+        </p:nvSpPr>
+        <p:spPr>
+          <a:xfrm>
+            <a:off x="0" y="8685213"/>
+            <a:ext cx="2971800" cy="458787"/>
+          </a:xfrm>
+          <a:prstGeom prst="rect">
+            <a:avLst/>
+          </a:prstGeom>
+        </p:spPr>
+        <p:txBody>
+          <a:bodyPr vert="horz" lIns="91440" tIns="45720" rIns="91440" bIns="45720" rtlCol="0" anchor="b"/>
+          <a:lstStyle>
+            <a:lvl1pPr algn="l">
+              <a:defRPr sz="1200"/>
+            </a:lvl1pPr>
+          </a:lstStyle>
+          <a:p>
+            <a:endParaRPr lang="en-US"/>
+          </a:p>
+        </p:txBody>
+      </p:sp>
+      <p:sp>
+        <p:nvSpPr>
+          <p:cNvPr id="7" name="Slide Number Placeholder 6"/>
+          <p:cNvSpPr>
+            <a:spLocks noGrp="1"/>
+          </p:cNvSpPr>
+          <p:nvPr>
+            <p:ph type="sldNum" sz="quarter" idx="5"/>
+          </p:nvPr>
+        </p:nvSpPr>
+        <p:spPr>
+          <a:xfrm>
+            <a:off x="3884613" y="8685213"/>
+            <a:ext cx="2971800" cy="458787"/>
+          </a:xfrm>
+          <a:prstGeom prst="rect">
+            <a:avLst/>
+          </a:prstGeom>
+        </p:spPr>
+        <p:txBody>
+          <a:bodyPr vert="horz" lIns="91440" tIns="45720" rIns="91440" bIns="45720" rtlCol="0" anchor="b"/>
+          <a:lstStyle>
+            <a:lvl1pPr algn="r">
+              <a:defRPr sz="1200"/>
+            </a:lvl1pPr>
+          </a:lstStyle>
+          <a:p>
+            <a:fld id="{33CA4DA0-E14C-384E-A8A5-EDD6BF767EA7}" type="slidenum">
+              <a:rPr lang="en-US" smtClean="0"/>
+              <a:t>‹#›</a:t>
+            </a:fld>
+            <a:endParaRPr lang="en-US"/>
+          </a:p>
+        </p:txBody>
+      </p:sp>
+    </p:spTree>
+    <p:extLst>
+      <p:ext uri="{BB962C8B-B14F-4D97-AF65-F5344CB8AC3E}">
+        <p14:creationId xmlns:p14="http://schemas.microsoft.com/office/powerpoint/2010/main" val="2831135655"/>
+      </p:ext>
+    </p:extLst>
+  </p:cSld>
+  <p:clrMap bg1="lt1" tx1="dk1" bg2="lt2" tx2="dk2" accent1="accent1" accent2="accent2" accent3="accent3" accent4="accent4" accent5="accent5" accent6="accent6" hlink="hlink" folHlink="folHlink"/>
+  <p:notesStyle>
+    <a:lvl1pPr marL="0" algn="l" defTabSz="914400" rtl="0" eaLnBrk="1" latinLnBrk="0" hangingPunct="1">
+      <a:defRPr sz="1200" kern="1200">
+        <a:solidFill>
+          <a:schemeClr val="tx1"/>
+        </a:solidFill>
+        <a:latin typeface="+mn-lt"/>
+        <a:ea typeface="+mn-ea"/>
+        <a:cs typeface="+mn-cs"/>
+      </a:defRPr>
+    </a:lvl1pPr>
+    <a:lvl2pPr marL="457200" algn="l" defTabSz="914400" rtl="0" eaLnBrk="1" latinLnBrk="0" hangingPunct="1">
+      <a:defRPr sz="1200" kern="1200">
+        <a:solidFill>
+          <a:schemeClr val="tx1"/>
+        </a:solidFill>
+        <a:latin typeface="+mn-lt"/>
+        <a:ea typeface="+mn-ea"/>
+        <a:cs typeface="+mn-cs"/>
+      </a:defRPr>
+    </a:lvl2pPr>
+    <a:lvl3pPr marL="914400" algn="l" defTabSz="914400" rtl="0" eaLnBrk="1" latinLnBrk="0" hangingPunct="1">
+      <a:defRPr sz="1200" kern="1200">
+        <a:solidFill>
+          <a:schemeClr val="tx1"/>
+        </a:solidFill>
+        <a:latin typeface="+mn-lt"/>
+        <a:ea typeface="+mn-ea"/>
+        <a:cs typeface="+mn-cs"/>
+      </a:defRPr>
+    </a:lvl3pPr>
+    <a:lvl4pPr marL="1371600" algn="l" defTabSz="914400" rtl="0" eaLnBrk="1" latinLnBrk="0" hangingPunct="1">
+      <a:defRPr sz="1200" kern="1200">
+        <a:solidFill>
+          <a:schemeClr val="tx1"/>
+        </a:solidFill>
+        <a:latin typeface="+mn-lt"/>
+        <a:ea typeface="+mn-ea"/>
+        <a:cs typeface="+mn-cs"/>
+      </a:defRPr>
+    </a:lvl4pPr>
+    <a:lvl5pPr marL="1828800" algn="l" defTabSz="914400" rtl="0" eaLnBrk="1" latinLnBrk="0" hangingPunct="1">
+      <a:defRPr sz="1200" kern="1200">
+        <a:solidFill>
+          <a:schemeClr val="tx1"/>
+        </a:solidFill>
+        <a:latin typeface="+mn-lt"/>
+        <a:ea typeface="+mn-ea"/>
+        <a:cs typeface="+mn-cs"/>
+      </a:defRPr>
+    </a:lvl5pPr>
+    <a:lvl6pPr marL="2286000" algn="l" defTabSz="914400" rtl="0" eaLnBrk="1" latinLnBrk="0" hangingPunct="1">
+      <a:defRPr sz="1200" kern="1200">
+        <a:solidFill>
+          <a:schemeClr val="tx1"/>
+        </a:solidFill>
+        <a:latin typeface="+mn-lt"/>
+        <a:ea typeface="+mn-ea"/>
+        <a:cs typeface="+mn-cs"/>
+      </a:defRPr>
+    </a:lvl6pPr>
+    <a:lvl7pPr marL="2743200" algn="l" defTabSz="914400" rtl="0" eaLnBrk="1" latinLnBrk="0" hangingPunct="1">
+      <a:defRPr sz="1200" kern="1200">
+        <a:solidFill>
+          <a:schemeClr val="tx1"/>
+        </a:solidFill>
+        <a:latin typeface="+mn-lt"/>
+        <a:ea typeface="+mn-ea"/>
+        <a:cs typeface="+mn-cs"/>
+      </a:defRPr>
+    </a:lvl7pPr>
+    <a:lvl8pPr marL="3200400" algn="l" defTabSz="914400" rtl="0" eaLnBrk="1" latinLnBrk="0" hangingPunct="1">
+      <a:defRPr sz="1200" kern="1200">
+        <a:solidFill>
+          <a:schemeClr val="tx1"/>
+        </a:solidFill>
+        <a:latin typeface="+mn-lt"/>
+        <a:ea typeface="+mn-ea"/>
+        <a:cs typeface="+mn-cs"/>
+      </a:defRPr>
+    </a:lvl8pPr>
+    <a:lvl9pPr marL="3657600" algn="l" defTabSz="914400" rtl="0" eaLnBrk="1" latinLnBrk="0" hangingPunct="1">
+      <a:defRPr sz="1200" kern="1200">
+        <a:solidFill>
+          <a:schemeClr val="tx1"/>
+        </a:solidFill>
+        <a:latin typeface="+mn-lt"/>
+        <a:ea typeface="+mn-ea"/>
+        <a:cs typeface="+mn-cs"/>
+      </a:defRPr>
+    </a:lvl9pPr>
+  </p:notesStyle>
+</p:notesMaster>
+</file>
+
+<file path=ppt/notesSlides/notesSlide1.xml><?xml version="1.0" encoding="utf-8"?>
+<p:notes xmlns:a="http://schemas.openxmlformats.org/drawingml/2006/main" xmlns:r="http://schemas.openxmlformats.org/officeDocument/2006/relationships" xmlns:p="http://schemas.openxmlformats.org/presentationml/2006/main">
+  <p:cSld>
+    <p:spTree>
+      <p:nvGrpSpPr>
+        <p:cNvPr id="1" name=""/>
+        <p:cNvGrpSpPr/>
+        <p:nvPr/>
+      </p:nvGrpSpPr>
+      <p:grpSpPr>
+        <a:xfrm>
+          <a:off x="0" y="0"/>
+          <a:ext cx="0" cy="0"/>
+          <a:chOff x="0" y="0"/>
+          <a:chExt cx="0" cy="0"/>
+        </a:xfrm>
+      </p:grpSpPr>
+      <p:sp>
+        <p:nvSpPr>
+          <p:cNvPr id="2" name="Slide Image Placeholder 1"/>
+          <p:cNvSpPr>
+            <a:spLocks noGrp="1" noRot="1" noChangeAspect="1"/>
+          </p:cNvSpPr>
+          <p:nvPr>
+            <p:ph type="sldImg"/>
+          </p:nvPr>
+        </p:nvSpPr>
+        <p:spPr/>
+      </p:sp>
+      <p:sp>
+        <p:nvSpPr>
+          <p:cNvPr id="3" name="Notes Placeholder 2"/>
+          <p:cNvSpPr>
+            <a:spLocks noGrp="1"/>
+          </p:cNvSpPr>
+          <p:nvPr>
+            <p:ph type="body" idx="1"/>
+          </p:nvPr>
+        </p:nvSpPr>
+        <p:spPr/>
+        <p:txBody>
+          <a:bodyPr/>
+          <a:lstStyle/>
+          <a:p>
+            <a:endParaRPr lang="en-US" dirty="0"/>
+          </a:p>
+        </p:txBody>
+      </p:sp>
+      <p:sp>
+        <p:nvSpPr>
+          <p:cNvPr id="4" name="Slide Number Placeholder 3"/>
+          <p:cNvSpPr>
+            <a:spLocks noGrp="1"/>
+          </p:cNvSpPr>
+          <p:nvPr>
+            <p:ph type="sldNum" sz="quarter" idx="5"/>
+          </p:nvPr>
+        </p:nvSpPr>
+        <p:spPr/>
+        <p:txBody>
+          <a:bodyPr/>
+          <a:lstStyle/>
+          <a:p>
+            <a:fld id="{33CA4DA0-E14C-384E-A8A5-EDD6BF767EA7}" type="slidenum">
+              <a:rPr lang="en-US" smtClean="0"/>
+              <a:t>6</a:t>
+            </a:fld>
+            <a:endParaRPr lang="en-US"/>
+          </a:p>
+        </p:txBody>
+      </p:sp>
+    </p:spTree>
+    <p:extLst>
+      <p:ext uri="{BB962C8B-B14F-4D97-AF65-F5344CB8AC3E}">
+        <p14:creationId xmlns:p14="http://schemas.microsoft.com/office/powerpoint/2010/main" val="2998370073"/>
+      </p:ext>
+    </p:extLst>
+  </p:cSld>
+  <p:clrMapOvr>
+    <a:masterClrMapping/>
+  </p:clrMapOvr>
+</p:notes>
+</file>
+
+<file path=ppt/notesSlides/notesSlide2.xml><?xml version="1.0" encoding="utf-8"?>
+<p:notes xmlns:a="http://schemas.openxmlformats.org/drawingml/2006/main" xmlns:r="http://schemas.openxmlformats.org/officeDocument/2006/relationships" xmlns:p="http://schemas.openxmlformats.org/presentationml/2006/main">
+  <p:cSld>
+    <p:spTree>
+      <p:nvGrpSpPr>
+        <p:cNvPr id="1" name=""/>
+        <p:cNvGrpSpPr/>
+        <p:nvPr/>
+      </p:nvGrpSpPr>
+      <p:grpSpPr>
+        <a:xfrm>
+          <a:off x="0" y="0"/>
+          <a:ext cx="0" cy="0"/>
+          <a:chOff x="0" y="0"/>
+          <a:chExt cx="0" cy="0"/>
+        </a:xfrm>
+      </p:grpSpPr>
+      <p:sp>
+        <p:nvSpPr>
+          <p:cNvPr id="2" name="Slide Image Placeholder 1"/>
+          <p:cNvSpPr>
+            <a:spLocks noGrp="1" noRot="1" noChangeAspect="1"/>
+          </p:cNvSpPr>
+          <p:nvPr>
+            <p:ph type="sldImg"/>
+          </p:nvPr>
+        </p:nvSpPr>
+        <p:spPr/>
+      </p:sp>
+      <p:sp>
+        <p:nvSpPr>
+          <p:cNvPr id="3" name="Notes Placeholder 2"/>
+          <p:cNvSpPr>
+            <a:spLocks noGrp="1"/>
+          </p:cNvSpPr>
+          <p:nvPr>
+            <p:ph type="body" idx="1"/>
+          </p:nvPr>
+        </p:nvSpPr>
+        <p:spPr/>
+        <p:txBody>
+          <a:bodyPr/>
+          <a:lstStyle/>
+          <a:p>
+            <a:endParaRPr lang="en-US" dirty="0"/>
+          </a:p>
+        </p:txBody>
+      </p:sp>
+      <p:sp>
+        <p:nvSpPr>
+          <p:cNvPr id="4" name="Slide Number Placeholder 3"/>
+          <p:cNvSpPr>
+            <a:spLocks noGrp="1"/>
+          </p:cNvSpPr>
+          <p:nvPr>
+            <p:ph type="sldNum" sz="quarter" idx="5"/>
+          </p:nvPr>
+        </p:nvSpPr>
+        <p:spPr/>
+        <p:txBody>
+          <a:bodyPr/>
+          <a:lstStyle/>
+          <a:p>
+            <a:fld id="{33CA4DA0-E14C-384E-A8A5-EDD6BF767EA7}" type="slidenum">
+              <a:rPr lang="en-US" smtClean="0"/>
+              <a:t>9</a:t>
+            </a:fld>
+            <a:endParaRPr lang="en-US"/>
+          </a:p>
+        </p:txBody>
+      </p:sp>
+    </p:spTree>
+    <p:extLst>
+      <p:ext uri="{BB962C8B-B14F-4D97-AF65-F5344CB8AC3E}">
+        <p14:creationId xmlns:p14="http://schemas.microsoft.com/office/powerpoint/2010/main" val="2302110006"/>
+      </p:ext>
+    </p:extLst>
+  </p:cSld>
+  <p:clrMapOvr>
+    <a:masterClrMapping/>
+  </p:clrMapOvr>
+</p:notes>
 </file>
 
 <file path=ppt/slideLayouts/slideLayout1.xml><?xml version="1.0" encoding="utf-8"?>
@@ -263,7 +791,7 @@
           <a:p>
             <a:fld id="{644F2851-49B3-B147-8840-B8603D4A34D9}" type="datetimeFigureOut">
               <a:rPr lang="en-US" smtClean="0"/>
-              <a:t>8/9/22</a:t>
+              <a:t>8/10/22</a:t>
             </a:fld>
             <a:endParaRPr lang="en-US"/>
           </a:p>
@@ -461,7 +989,7 @@
           <a:p>
             <a:fld id="{644F2851-49B3-B147-8840-B8603D4A34D9}" type="datetimeFigureOut">
               <a:rPr lang="en-US" smtClean="0"/>
-              <a:t>8/9/22</a:t>
+              <a:t>8/10/22</a:t>
             </a:fld>
             <a:endParaRPr lang="en-US"/>
           </a:p>
@@ -669,7 +1197,7 @@
           <a:p>
             <a:fld id="{644F2851-49B3-B147-8840-B8603D4A34D9}" type="datetimeFigureOut">
               <a:rPr lang="en-US" smtClean="0"/>
-              <a:t>8/9/22</a:t>
+              <a:t>8/10/22</a:t>
             </a:fld>
             <a:endParaRPr lang="en-US"/>
           </a:p>
@@ -867,7 +1395,7 @@
           <a:p>
             <a:fld id="{644F2851-49B3-B147-8840-B8603D4A34D9}" type="datetimeFigureOut">
               <a:rPr lang="en-US" smtClean="0"/>
-              <a:t>8/9/22</a:t>
+              <a:t>8/10/22</a:t>
             </a:fld>
             <a:endParaRPr lang="en-US"/>
           </a:p>
@@ -1142,7 +1670,7 @@
           <a:p>
             <a:fld id="{644F2851-49B3-B147-8840-B8603D4A34D9}" type="datetimeFigureOut">
               <a:rPr lang="en-US" smtClean="0"/>
-              <a:t>8/9/22</a:t>
+              <a:t>8/10/22</a:t>
             </a:fld>
             <a:endParaRPr lang="en-US"/>
           </a:p>
@@ -1407,7 +1935,7 @@
           <a:p>
             <a:fld id="{644F2851-49B3-B147-8840-B8603D4A34D9}" type="datetimeFigureOut">
               <a:rPr lang="en-US" smtClean="0"/>
-              <a:t>8/9/22</a:t>
+              <a:t>8/10/22</a:t>
             </a:fld>
             <a:endParaRPr lang="en-US"/>
           </a:p>
@@ -1819,7 +2347,7 @@
           <a:p>
             <a:fld id="{644F2851-49B3-B147-8840-B8603D4A34D9}" type="datetimeFigureOut">
               <a:rPr lang="en-US" smtClean="0"/>
-              <a:t>8/9/22</a:t>
+              <a:t>8/10/22</a:t>
             </a:fld>
             <a:endParaRPr lang="en-US"/>
           </a:p>
@@ -1960,7 +2488,7 @@
           <a:p>
             <a:fld id="{644F2851-49B3-B147-8840-B8603D4A34D9}" type="datetimeFigureOut">
               <a:rPr lang="en-US" smtClean="0"/>
-              <a:t>8/9/22</a:t>
+              <a:t>8/10/22</a:t>
             </a:fld>
             <a:endParaRPr lang="en-US"/>
           </a:p>
@@ -2073,7 +2601,7 @@
           <a:p>
             <a:fld id="{644F2851-49B3-B147-8840-B8603D4A34D9}" type="datetimeFigureOut">
               <a:rPr lang="en-US" smtClean="0"/>
-              <a:t>8/9/22</a:t>
+              <a:t>8/10/22</a:t>
             </a:fld>
             <a:endParaRPr lang="en-US"/>
           </a:p>
@@ -2384,7 +2912,7 @@
           <a:p>
             <a:fld id="{644F2851-49B3-B147-8840-B8603D4A34D9}" type="datetimeFigureOut">
               <a:rPr lang="en-US" smtClean="0"/>
-              <a:t>8/9/22</a:t>
+              <a:t>8/10/22</a:t>
             </a:fld>
             <a:endParaRPr lang="en-US"/>
           </a:p>
@@ -2672,7 +3200,7 @@
           <a:p>
             <a:fld id="{644F2851-49B3-B147-8840-B8603D4A34D9}" type="datetimeFigureOut">
               <a:rPr lang="en-US" smtClean="0"/>
-              <a:t>8/9/22</a:t>
+              <a:t>8/10/22</a:t>
             </a:fld>
             <a:endParaRPr lang="en-US"/>
           </a:p>
@@ -2913,7 +3441,7 @@
           <a:p>
             <a:fld id="{644F2851-49B3-B147-8840-B8603D4A34D9}" type="datetimeFigureOut">
               <a:rPr lang="en-US" smtClean="0"/>
-              <a:t>8/9/22</a:t>
+              <a:t>8/10/22</a:t>
             </a:fld>
             <a:endParaRPr lang="en-US"/>
           </a:p>
@@ -3349,13 +3877,13 @@
         <p:spPr/>
         <p:txBody>
           <a:bodyPr>
-            <a:normAutofit fontScale="90000"/>
+            <a:normAutofit/>
           </a:bodyPr>
           <a:lstStyle/>
           <a:p>
             <a:r>
-              <a:rPr lang="en-US" dirty="0"/>
-              <a:t>Recommender of the literatures in the GEP datasets</a:t>
+              <a:rPr lang="en-US" sz="4000" dirty="0"/>
+              <a:t>Recommender of the literatures in the GEO (Gene Expression Omnibus) datasets</a:t>
             </a:r>
           </a:p>
         </p:txBody>
@@ -3428,6 +3956,412 @@
           <p:cNvPr id="2" name="Title 1">
             <a:extLst>
               <a:ext uri="{FF2B5EF4-FFF2-40B4-BE49-F238E27FC236}">
+                <a16:creationId xmlns:a16="http://schemas.microsoft.com/office/drawing/2014/main" id="{CC9E45FF-05C9-884E-8255-06DA524B9948}"/>
+              </a:ext>
+            </a:extLst>
+          </p:cNvPr>
+          <p:cNvSpPr>
+            <a:spLocks noGrp="1"/>
+          </p:cNvSpPr>
+          <p:nvPr>
+            <p:ph type="title"/>
+          </p:nvPr>
+        </p:nvSpPr>
+        <p:spPr/>
+        <p:txBody>
+          <a:bodyPr>
+            <a:normAutofit/>
+          </a:bodyPr>
+          <a:lstStyle/>
+          <a:p>
+            <a:r>
+              <a:rPr lang="en-US" sz="3200" dirty="0"/>
+              <a:t>Inertias for kMeans clustering of 2828 documents with 15 topic modeled by NMF</a:t>
+            </a:r>
+          </a:p>
+        </p:txBody>
+      </p:sp>
+      <p:pic>
+        <p:nvPicPr>
+          <p:cNvPr id="4" name="Picture 3">
+            <a:extLst>
+              <a:ext uri="{FF2B5EF4-FFF2-40B4-BE49-F238E27FC236}">
+                <a16:creationId xmlns:a16="http://schemas.microsoft.com/office/drawing/2014/main" id="{23CBACD6-DCBC-E24A-8DB3-84EC32915364}"/>
+              </a:ext>
+            </a:extLst>
+          </p:cNvPr>
+          <p:cNvPicPr>
+            <a:picLocks noChangeAspect="1"/>
+          </p:cNvPicPr>
+          <p:nvPr/>
+        </p:nvPicPr>
+        <p:blipFill>
+          <a:blip r:embed="rId2"/>
+          <a:stretch>
+            <a:fillRect/>
+          </a:stretch>
+        </p:blipFill>
+        <p:spPr>
+          <a:xfrm>
+            <a:off x="2561377" y="1987939"/>
+            <a:ext cx="5097819" cy="3816960"/>
+          </a:xfrm>
+          <a:prstGeom prst="rect">
+            <a:avLst/>
+          </a:prstGeom>
+        </p:spPr>
+      </p:pic>
+      <p:sp>
+        <p:nvSpPr>
+          <p:cNvPr id="5" name="TextBox 4">
+            <a:extLst>
+              <a:ext uri="{FF2B5EF4-FFF2-40B4-BE49-F238E27FC236}">
+                <a16:creationId xmlns:a16="http://schemas.microsoft.com/office/drawing/2014/main" id="{2D24B73D-45B5-4842-ACF5-C71A4B0B6395}"/>
+              </a:ext>
+            </a:extLst>
+          </p:cNvPr>
+          <p:cNvSpPr txBox="1"/>
+          <p:nvPr/>
+        </p:nvSpPr>
+        <p:spPr>
+          <a:xfrm>
+            <a:off x="3534310" y="5569131"/>
+            <a:ext cx="1448656" cy="646331"/>
+          </a:xfrm>
+          <a:prstGeom prst="rect">
+            <a:avLst/>
+          </a:prstGeom>
+          <a:noFill/>
+        </p:spPr>
+        <p:txBody>
+          <a:bodyPr wrap="square" rtlCol="0">
+            <a:spAutoFit/>
+          </a:bodyPr>
+          <a:lstStyle/>
+          <a:p>
+            <a:r>
+              <a:rPr lang="en-US" dirty="0">
+                <a:solidFill>
+                  <a:srgbClr val="FF0000"/>
+                </a:solidFill>
+              </a:rPr>
+              <a:t>Elbow !!!</a:t>
+            </a:r>
+          </a:p>
+          <a:p>
+            <a:r>
+              <a:rPr lang="en-US" dirty="0">
+                <a:solidFill>
+                  <a:srgbClr val="FF0000"/>
+                </a:solidFill>
+              </a:rPr>
+              <a:t>K = 15</a:t>
+            </a:r>
+          </a:p>
+        </p:txBody>
+      </p:sp>
+      <p:cxnSp>
+        <p:nvCxnSpPr>
+          <p:cNvPr id="7" name="Straight Arrow Connector 6">
+            <a:extLst>
+              <a:ext uri="{FF2B5EF4-FFF2-40B4-BE49-F238E27FC236}">
+                <a16:creationId xmlns:a16="http://schemas.microsoft.com/office/drawing/2014/main" id="{5274E31D-0B9E-A647-A10D-E38758E72B90}"/>
+              </a:ext>
+            </a:extLst>
+          </p:cNvPr>
+          <p:cNvCxnSpPr/>
+          <p:nvPr/>
+        </p:nvCxnSpPr>
+        <p:spPr>
+          <a:xfrm>
+            <a:off x="4068566" y="4417888"/>
+            <a:ext cx="0" cy="1119883"/>
+          </a:xfrm>
+          <a:prstGeom prst="straightConnector1">
+            <a:avLst/>
+          </a:prstGeom>
+          <a:ln>
+            <a:tailEnd type="triangle"/>
+          </a:ln>
+        </p:spPr>
+        <p:style>
+          <a:lnRef idx="1">
+            <a:schemeClr val="accent1"/>
+          </a:lnRef>
+          <a:fillRef idx="0">
+            <a:schemeClr val="accent1"/>
+          </a:fillRef>
+          <a:effectRef idx="0">
+            <a:schemeClr val="accent1"/>
+          </a:effectRef>
+          <a:fontRef idx="minor">
+            <a:schemeClr val="tx1"/>
+          </a:fontRef>
+        </p:style>
+      </p:cxnSp>
+    </p:spTree>
+    <p:extLst>
+      <p:ext uri="{BB962C8B-B14F-4D97-AF65-F5344CB8AC3E}">
+        <p14:creationId xmlns:p14="http://schemas.microsoft.com/office/powerpoint/2010/main" val="967510800"/>
+      </p:ext>
+    </p:extLst>
+  </p:cSld>
+  <p:clrMapOvr>
+    <a:masterClrMapping/>
+  </p:clrMapOvr>
+</p:sld>
+</file>
+
+<file path=ppt/slides/slide11.xml><?xml version="1.0" encoding="utf-8"?>
+<p:sld xmlns:a="http://schemas.openxmlformats.org/drawingml/2006/main" xmlns:r="http://schemas.openxmlformats.org/officeDocument/2006/relationships" xmlns:p="http://schemas.openxmlformats.org/presentationml/2006/main">
+  <p:cSld>
+    <p:spTree>
+      <p:nvGrpSpPr>
+        <p:cNvPr id="1" name=""/>
+        <p:cNvGrpSpPr/>
+        <p:nvPr/>
+      </p:nvGrpSpPr>
+      <p:grpSpPr>
+        <a:xfrm>
+          <a:off x="0" y="0"/>
+          <a:ext cx="0" cy="0"/>
+          <a:chOff x="0" y="0"/>
+          <a:chExt cx="0" cy="0"/>
+        </a:xfrm>
+      </p:grpSpPr>
+      <p:sp>
+        <p:nvSpPr>
+          <p:cNvPr id="2" name="Title 1">
+            <a:extLst>
+              <a:ext uri="{FF2B5EF4-FFF2-40B4-BE49-F238E27FC236}">
+                <a16:creationId xmlns:a16="http://schemas.microsoft.com/office/drawing/2014/main" id="{CC9E45FF-05C9-884E-8255-06DA524B9948}"/>
+              </a:ext>
+            </a:extLst>
+          </p:cNvPr>
+          <p:cNvSpPr>
+            <a:spLocks noGrp="1"/>
+          </p:cNvSpPr>
+          <p:nvPr>
+            <p:ph type="title"/>
+          </p:nvPr>
+        </p:nvSpPr>
+        <p:spPr>
+          <a:xfrm>
+            <a:off x="5753528" y="365125"/>
+            <a:ext cx="5600272" cy="1325563"/>
+          </a:xfrm>
+        </p:spPr>
+        <p:txBody>
+          <a:bodyPr>
+            <a:normAutofit fontScale="90000"/>
+          </a:bodyPr>
+          <a:lstStyle/>
+          <a:p>
+            <a:r>
+              <a:rPr lang="en-US" dirty="0"/>
+              <a:t>The distances in cluster 0 are ~2 fold lower than other clusters</a:t>
+            </a:r>
+          </a:p>
+        </p:txBody>
+      </p:sp>
+      <p:pic>
+        <p:nvPicPr>
+          <p:cNvPr id="6" name="Picture 5">
+            <a:extLst>
+              <a:ext uri="{FF2B5EF4-FFF2-40B4-BE49-F238E27FC236}">
+                <a16:creationId xmlns:a16="http://schemas.microsoft.com/office/drawing/2014/main" id="{FDAD2EDA-5657-984B-A45B-1905F6E6E182}"/>
+              </a:ext>
+            </a:extLst>
+          </p:cNvPr>
+          <p:cNvPicPr>
+            <a:picLocks noChangeAspect="1"/>
+          </p:cNvPicPr>
+          <p:nvPr/>
+        </p:nvPicPr>
+        <p:blipFill>
+          <a:blip r:embed="rId2"/>
+          <a:stretch>
+            <a:fillRect/>
+          </a:stretch>
+        </p:blipFill>
+        <p:spPr>
+          <a:xfrm>
+            <a:off x="589052" y="0"/>
+            <a:ext cx="4886325" cy="6858000"/>
+          </a:xfrm>
+          <a:prstGeom prst="rect">
+            <a:avLst/>
+          </a:prstGeom>
+        </p:spPr>
+      </p:pic>
+      <p:pic>
+        <p:nvPicPr>
+          <p:cNvPr id="8" name="Picture 7">
+            <a:extLst>
+              <a:ext uri="{FF2B5EF4-FFF2-40B4-BE49-F238E27FC236}">
+                <a16:creationId xmlns:a16="http://schemas.microsoft.com/office/drawing/2014/main" id="{BB8884FA-D212-AB43-85E3-446F851B348A}"/>
+              </a:ext>
+            </a:extLst>
+          </p:cNvPr>
+          <p:cNvPicPr>
+            <a:picLocks noChangeAspect="1"/>
+          </p:cNvPicPr>
+          <p:nvPr/>
+        </p:nvPicPr>
+        <p:blipFill>
+          <a:blip r:embed="rId3"/>
+          <a:stretch>
+            <a:fillRect/>
+          </a:stretch>
+        </p:blipFill>
+        <p:spPr>
+          <a:xfrm>
+            <a:off x="5855538" y="2296987"/>
+            <a:ext cx="5118100" cy="3784600"/>
+          </a:xfrm>
+          <a:prstGeom prst="rect">
+            <a:avLst/>
+          </a:prstGeom>
+        </p:spPr>
+      </p:pic>
+    </p:spTree>
+    <p:extLst>
+      <p:ext uri="{BB962C8B-B14F-4D97-AF65-F5344CB8AC3E}">
+        <p14:creationId xmlns:p14="http://schemas.microsoft.com/office/powerpoint/2010/main" val="1630533261"/>
+      </p:ext>
+    </p:extLst>
+  </p:cSld>
+  <p:clrMapOvr>
+    <a:masterClrMapping/>
+  </p:clrMapOvr>
+</p:sld>
+</file>
+
+<file path=ppt/slides/slide12.xml><?xml version="1.0" encoding="utf-8"?>
+<p:sld xmlns:a="http://schemas.openxmlformats.org/drawingml/2006/main" xmlns:r="http://schemas.openxmlformats.org/officeDocument/2006/relationships" xmlns:p="http://schemas.openxmlformats.org/presentationml/2006/main">
+  <p:cSld>
+    <p:spTree>
+      <p:nvGrpSpPr>
+        <p:cNvPr id="1" name=""/>
+        <p:cNvGrpSpPr/>
+        <p:nvPr/>
+      </p:nvGrpSpPr>
+      <p:grpSpPr>
+        <a:xfrm>
+          <a:off x="0" y="0"/>
+          <a:ext cx="0" cy="0"/>
+          <a:chOff x="0" y="0"/>
+          <a:chExt cx="0" cy="0"/>
+        </a:xfrm>
+      </p:grpSpPr>
+      <p:sp>
+        <p:nvSpPr>
+          <p:cNvPr id="2" name="Title 1">
+            <a:extLst>
+              <a:ext uri="{FF2B5EF4-FFF2-40B4-BE49-F238E27FC236}">
+                <a16:creationId xmlns:a16="http://schemas.microsoft.com/office/drawing/2014/main" id="{526E9103-80A1-D948-8119-8BAB4D56EC1D}"/>
+              </a:ext>
+            </a:extLst>
+          </p:cNvPr>
+          <p:cNvSpPr>
+            <a:spLocks noGrp="1"/>
+          </p:cNvSpPr>
+          <p:nvPr>
+            <p:ph type="title"/>
+          </p:nvPr>
+        </p:nvSpPr>
+        <p:spPr>
+          <a:xfrm>
+            <a:off x="651510" y="40448"/>
+            <a:ext cx="10515600" cy="1325563"/>
+          </a:xfrm>
+        </p:spPr>
+        <p:txBody>
+          <a:bodyPr>
+            <a:normAutofit/>
+          </a:bodyPr>
+          <a:lstStyle/>
+          <a:p>
+            <a:r>
+              <a:rPr lang="en-US" sz="2800" dirty="0"/>
+              <a:t>tSNE plot of </a:t>
+            </a:r>
+            <a:r>
+              <a:rPr lang="en-US" sz="2800" dirty="0" err="1"/>
+              <a:t>doc_topic</a:t>
+            </a:r>
+            <a:r>
+              <a:rPr lang="en-US" sz="2800" dirty="0"/>
+              <a:t> matrix colored by kMeans clustering labels</a:t>
+            </a:r>
+          </a:p>
+        </p:txBody>
+      </p:sp>
+      <p:pic>
+        <p:nvPicPr>
+          <p:cNvPr id="4" name="Picture 3">
+            <a:extLst>
+              <a:ext uri="{FF2B5EF4-FFF2-40B4-BE49-F238E27FC236}">
+                <a16:creationId xmlns:a16="http://schemas.microsoft.com/office/drawing/2014/main" id="{BF9CC286-E540-FC4F-969C-EBE294AA5F1B}"/>
+              </a:ext>
+            </a:extLst>
+          </p:cNvPr>
+          <p:cNvPicPr>
+            <a:picLocks noChangeAspect="1"/>
+          </p:cNvPicPr>
+          <p:nvPr/>
+        </p:nvPicPr>
+        <p:blipFill>
+          <a:blip r:embed="rId2"/>
+          <a:stretch>
+            <a:fillRect/>
+          </a:stretch>
+        </p:blipFill>
+        <p:spPr>
+          <a:xfrm>
+            <a:off x="759389" y="1366011"/>
+            <a:ext cx="10407721" cy="4804352"/>
+          </a:xfrm>
+          <a:prstGeom prst="rect">
+            <a:avLst/>
+          </a:prstGeom>
+        </p:spPr>
+      </p:pic>
+    </p:spTree>
+    <p:extLst>
+      <p:ext uri="{BB962C8B-B14F-4D97-AF65-F5344CB8AC3E}">
+        <p14:creationId xmlns:p14="http://schemas.microsoft.com/office/powerpoint/2010/main" val="2539519861"/>
+      </p:ext>
+    </p:extLst>
+  </p:cSld>
+  <p:clrMapOvr>
+    <a:masterClrMapping/>
+  </p:clrMapOvr>
+</p:sld>
+</file>
+
+<file path=ppt/slides/slide13.xml><?xml version="1.0" encoding="utf-8"?>
+<p:sld xmlns:a="http://schemas.openxmlformats.org/drawingml/2006/main" xmlns:r="http://schemas.openxmlformats.org/officeDocument/2006/relationships" xmlns:p="http://schemas.openxmlformats.org/presentationml/2006/main">
+  <p:cSld>
+    <p:spTree>
+      <p:nvGrpSpPr>
+        <p:cNvPr id="1" name=""/>
+        <p:cNvGrpSpPr/>
+        <p:nvPr/>
+      </p:nvGrpSpPr>
+      <p:grpSpPr>
+        <a:xfrm>
+          <a:off x="0" y="0"/>
+          <a:ext cx="0" cy="0"/>
+          <a:chOff x="0" y="0"/>
+          <a:chExt cx="0" cy="0"/>
+        </a:xfrm>
+      </p:grpSpPr>
+      <p:sp>
+        <p:nvSpPr>
+          <p:cNvPr id="2" name="Title 1">
+            <a:extLst>
+              <a:ext uri="{FF2B5EF4-FFF2-40B4-BE49-F238E27FC236}">
                 <a16:creationId xmlns:a16="http://schemas.microsoft.com/office/drawing/2014/main" id="{3B4842B9-2ABA-CC4C-BC54-959A376FA797}"/>
               </a:ext>
             </a:extLst>
@@ -3446,7 +4380,7 @@
           <a:p>
             <a:r>
               <a:rPr lang="en-US" dirty="0"/>
-              <a:t>Discussion</a:t>
+              <a:t>Discussion and future work</a:t>
             </a:r>
           </a:p>
         </p:txBody>
@@ -3474,23 +4408,14 @@
           <a:p>
             <a:r>
               <a:rPr lang="en-US" dirty="0"/>
-              <a:t>Most abstracts in the GEO database are very heterogeneous and they are not clustered very well.</a:t>
-            </a:r>
-          </a:p>
-          <a:p>
-            <a:r>
-              <a:rPr lang="en-US" dirty="0" err="1"/>
-              <a:t>kMeans</a:t>
-            </a:r>
+              <a:t>Most abstracts in the GEO database are very heterogeneous and they are not clustered very well without the dimensional reduction.</a:t>
+            </a:r>
+          </a:p>
+          <a:p>
             <a:r>
               <a:rPr lang="en-US" dirty="0"/>
-              <a:t> seam to be a better topic modeling way for the </a:t>
-            </a:r>
-            <a:r>
-              <a:rPr lang="en-US"/>
-              <a:t>heterogeneous datasets.</a:t>
-            </a:r>
-            <a:endParaRPr lang="en-US" dirty="0"/>
+              <a:t>The abstracts in the same cluster will be furthered reviewed. The final goal is to combine gene expression data from similar biological conditions to identify drug targets or biomarkers.</a:t>
+            </a:r>
           </a:p>
         </p:txBody>
       </p:sp>
@@ -3581,7 +4506,7 @@
         </p:blipFill>
         <p:spPr>
           <a:xfrm>
-            <a:off x="1167794" y="4535170"/>
+            <a:off x="381717" y="4268042"/>
             <a:ext cx="10029489" cy="819186"/>
           </a:xfrm>
           <a:prstGeom prst="rect">
@@ -3611,7 +4536,7 @@
         </p:blipFill>
         <p:spPr>
           <a:xfrm>
-            <a:off x="1076459" y="1314668"/>
+            <a:off x="290382" y="1047540"/>
             <a:ext cx="10039082" cy="3220502"/>
           </a:xfrm>
           <a:prstGeom prst="rect">
@@ -3641,7 +4566,7 @@
         </p:blipFill>
         <p:spPr>
           <a:xfrm>
-            <a:off x="1233218" y="5354356"/>
+            <a:off x="447141" y="5087228"/>
             <a:ext cx="9898639" cy="985484"/>
           </a:xfrm>
           <a:prstGeom prst="rect">
@@ -3649,6 +4574,75 @@
           </a:prstGeom>
         </p:spPr>
       </p:pic>
+      <p:pic>
+        <p:nvPicPr>
+          <p:cNvPr id="4" name="Picture 3">
+            <a:extLst>
+              <a:ext uri="{FF2B5EF4-FFF2-40B4-BE49-F238E27FC236}">
+                <a16:creationId xmlns:a16="http://schemas.microsoft.com/office/drawing/2014/main" id="{0C79485C-47B4-5247-8058-E5AC1DEDC77A}"/>
+              </a:ext>
+            </a:extLst>
+          </p:cNvPr>
+          <p:cNvPicPr>
+            <a:picLocks noChangeAspect="1"/>
+          </p:cNvPicPr>
+          <p:nvPr/>
+        </p:nvPicPr>
+        <p:blipFill>
+          <a:blip r:embed="rId5"/>
+          <a:stretch>
+            <a:fillRect/>
+          </a:stretch>
+        </p:blipFill>
+        <p:spPr>
+          <a:xfrm>
+            <a:off x="7271880" y="4850791"/>
+            <a:ext cx="3803661" cy="2007209"/>
+          </a:xfrm>
+          <a:prstGeom prst="rect">
+            <a:avLst/>
+          </a:prstGeom>
+        </p:spPr>
+      </p:pic>
+      <p:cxnSp>
+        <p:nvCxnSpPr>
+          <p:cNvPr id="7" name="Straight Arrow Connector 6">
+            <a:extLst>
+              <a:ext uri="{FF2B5EF4-FFF2-40B4-BE49-F238E27FC236}">
+                <a16:creationId xmlns:a16="http://schemas.microsoft.com/office/drawing/2014/main" id="{B4E7253B-CC72-124C-A3F2-4547CB948AF9}"/>
+              </a:ext>
+            </a:extLst>
+          </p:cNvPr>
+          <p:cNvCxnSpPr/>
+          <p:nvPr/>
+        </p:nvCxnSpPr>
+        <p:spPr>
+          <a:xfrm>
+            <a:off x="5178175" y="4850791"/>
+            <a:ext cx="1921268" cy="481497"/>
+          </a:xfrm>
+          <a:prstGeom prst="straightConnector1">
+            <a:avLst/>
+          </a:prstGeom>
+          <a:ln>
+            <a:tailEnd type="triangle"/>
+          </a:ln>
+        </p:spPr>
+        <p:style>
+          <a:lnRef idx="1">
+            <a:schemeClr val="accent1"/>
+          </a:lnRef>
+          <a:fillRef idx="0">
+            <a:schemeClr val="accent1"/>
+          </a:fillRef>
+          <a:effectRef idx="0">
+            <a:schemeClr val="accent1"/>
+          </a:effectRef>
+          <a:fontRef idx="minor">
+            <a:schemeClr val="tx1"/>
+          </a:fontRef>
+        </p:style>
+      </p:cxnSp>
     </p:spTree>
     <p:extLst>
       <p:ext uri="{BB962C8B-B14F-4D97-AF65-F5344CB8AC3E}">
@@ -3957,25 +4951,25 @@
           <a:p>
             <a:r>
               <a:rPr lang="en-US" dirty="0"/>
-              <a:t>Topic Modeling:</a:t>
-            </a:r>
-          </a:p>
-          <a:p>
-            <a:pPr lvl="1"/>
-            <a:r>
-              <a:rPr lang="en-US" dirty="0" err="1"/>
-              <a:t>kMeans</a:t>
-            </a:r>
+              <a:t>Unsupervised clustering of abstract:</a:t>
+            </a:r>
+          </a:p>
+          <a:p>
+            <a:pPr marL="457200" lvl="1" indent="0">
+              <a:buNone/>
+            </a:pPr>
             <a:r>
               <a:rPr lang="en-US" dirty="0"/>
-              <a:t> clustering</a:t>
-            </a:r>
-          </a:p>
-          <a:p>
-            <a:pPr lvl="1"/>
+              <a:t>(1) kMeans clustering </a:t>
+            </a:r>
+          </a:p>
+          <a:p>
+            <a:pPr marL="457200" lvl="1" indent="0">
+              <a:buNone/>
+            </a:pPr>
             <a:r>
               <a:rPr lang="en-US" dirty="0"/>
-              <a:t>NMF topic modeler</a:t>
+              <a:t>(2) NMF topic modeling →kMeans clustering 　</a:t>
             </a:r>
           </a:p>
           <a:p>
@@ -3990,6 +4984,53 @@
             <a:endParaRPr lang="en-US" dirty="0"/>
           </a:p>
           <a:p>
+            <a:endParaRPr lang="en-US" dirty="0"/>
+          </a:p>
+        </p:txBody>
+      </p:sp>
+      <p:sp>
+        <p:nvSpPr>
+          <p:cNvPr id="4" name="Rectangle 3">
+            <a:extLst>
+              <a:ext uri="{FF2B5EF4-FFF2-40B4-BE49-F238E27FC236}">
+                <a16:creationId xmlns:a16="http://schemas.microsoft.com/office/drawing/2014/main" id="{EDCA1520-80A5-6741-B6EB-2C5121D61D46}"/>
+              </a:ext>
+            </a:extLst>
+          </p:cNvPr>
+          <p:cNvSpPr/>
+          <p:nvPr/>
+        </p:nvSpPr>
+        <p:spPr>
+          <a:xfrm>
+            <a:off x="1099335" y="5239820"/>
+            <a:ext cx="5876818" cy="339047"/>
+          </a:xfrm>
+          <a:prstGeom prst="rect">
+            <a:avLst/>
+          </a:prstGeom>
+          <a:noFill/>
+        </p:spPr>
+        <p:style>
+          <a:lnRef idx="2">
+            <a:schemeClr val="accent1">
+              <a:shade val="50000"/>
+            </a:schemeClr>
+          </a:lnRef>
+          <a:fillRef idx="1">
+            <a:schemeClr val="accent1"/>
+          </a:fillRef>
+          <a:effectRef idx="0">
+            <a:schemeClr val="accent1"/>
+          </a:effectRef>
+          <a:fontRef idx="minor">
+            <a:schemeClr val="lt1"/>
+          </a:fontRef>
+        </p:style>
+        <p:txBody>
+          <a:bodyPr rtlCol="0" anchor="ctr"/>
+          <a:lstStyle/>
+          <a:p>
+            <a:pPr algn="ctr"/>
             <a:endParaRPr lang="en-US" dirty="0"/>
           </a:p>
         </p:txBody>
@@ -4004,6 +5045,84 @@
   <p:clrMapOvr>
     <a:masterClrMapping/>
   </p:clrMapOvr>
+  <p:timing>
+    <p:tnLst>
+      <p:par>
+        <p:cTn id="1" dur="indefinite" restart="never" nodeType="tmRoot">
+          <p:childTnLst>
+            <p:seq concurrent="1" nextAc="seek">
+              <p:cTn id="2" dur="indefinite" nodeType="mainSeq">
+                <p:childTnLst>
+                  <p:par>
+                    <p:cTn id="3" fill="hold">
+                      <p:stCondLst>
+                        <p:cond delay="indefinite"/>
+                      </p:stCondLst>
+                      <p:childTnLst>
+                        <p:par>
+                          <p:cTn id="4" fill="hold">
+                            <p:stCondLst>
+                              <p:cond delay="0"/>
+                            </p:stCondLst>
+                            <p:childTnLst>
+                              <p:par>
+                                <p:cTn id="5" presetID="1" presetClass="entr" presetSubtype="0" fill="hold" grpId="0" nodeType="clickEffect">
+                                  <p:stCondLst>
+                                    <p:cond delay="0"/>
+                                  </p:stCondLst>
+                                  <p:childTnLst>
+                                    <p:set>
+                                      <p:cBhvr>
+                                        <p:cTn id="6" dur="1" fill="hold">
+                                          <p:stCondLst>
+                                            <p:cond delay="0"/>
+                                          </p:stCondLst>
+                                        </p:cTn>
+                                        <p:tgtEl>
+                                          <p:spTgt spid="4"/>
+                                        </p:tgtEl>
+                                        <p:attrNameLst>
+                                          <p:attrName>style.visibility</p:attrName>
+                                        </p:attrNameLst>
+                                      </p:cBhvr>
+                                      <p:to>
+                                        <p:strVal val="visible"/>
+                                      </p:to>
+                                    </p:set>
+                                  </p:childTnLst>
+                                </p:cTn>
+                              </p:par>
+                            </p:childTnLst>
+                          </p:cTn>
+                        </p:par>
+                      </p:childTnLst>
+                    </p:cTn>
+                  </p:par>
+                </p:childTnLst>
+              </p:cTn>
+              <p:prevCondLst>
+                <p:cond evt="onPrev" delay="0">
+                  <p:tgtEl>
+                    <p:sldTgt/>
+                  </p:tgtEl>
+                </p:cond>
+              </p:prevCondLst>
+              <p:nextCondLst>
+                <p:cond evt="onNext" delay="0">
+                  <p:tgtEl>
+                    <p:sldTgt/>
+                  </p:tgtEl>
+                </p:cond>
+              </p:nextCondLst>
+            </p:seq>
+          </p:childTnLst>
+        </p:cTn>
+      </p:par>
+    </p:tnLst>
+    <p:bldLst>
+      <p:bldP spid="4" grpId="0" animBg="1"/>
+    </p:bldLst>
+  </p:timing>
 </p:sld>
 </file>
 
@@ -4054,25 +5173,25 @@
           <a:p>
             <a:r>
               <a:rPr lang="en-US" sz="2800" dirty="0"/>
-              <a:t>15 topics for </a:t>
+              <a:t>Inertias for kMeans clustering of 2828 documents with 2075 words vectorized by </a:t>
             </a:r>
             <a:r>
               <a:rPr lang="en-US" sz="2800" dirty="0" err="1"/>
-              <a:t>kMeans</a:t>
+              <a:t>Tfidf</a:t>
             </a:r>
             <a:r>
               <a:rPr lang="en-US" sz="2800" dirty="0"/>
-              <a:t> clustering of 2828 documents with 2075 words  </a:t>
+              <a:t> vectorizer </a:t>
             </a:r>
           </a:p>
         </p:txBody>
       </p:sp>
       <p:pic>
         <p:nvPicPr>
-          <p:cNvPr id="13" name="Picture 12">
-            <a:extLst>
-              <a:ext uri="{FF2B5EF4-FFF2-40B4-BE49-F238E27FC236}">
-                <a16:creationId xmlns:a16="http://schemas.microsoft.com/office/drawing/2014/main" id="{49A9559D-4333-6F40-94C2-76C0CA958592}"/>
+          <p:cNvPr id="4" name="Picture 3">
+            <a:extLst>
+              <a:ext uri="{FF2B5EF4-FFF2-40B4-BE49-F238E27FC236}">
+                <a16:creationId xmlns:a16="http://schemas.microsoft.com/office/drawing/2014/main" id="{C457733F-0F70-694F-8815-CD327FA34015}"/>
               </a:ext>
             </a:extLst>
           </p:cNvPr>
@@ -4089,14 +5208,133 @@
         </p:blipFill>
         <p:spPr>
           <a:xfrm>
-            <a:off x="1986026" y="1366011"/>
-            <a:ext cx="6780022" cy="5076499"/>
+            <a:off x="1502096" y="1291880"/>
+            <a:ext cx="7508340" cy="5284350"/>
           </a:xfrm>
           <a:prstGeom prst="rect">
             <a:avLst/>
           </a:prstGeom>
         </p:spPr>
       </p:pic>
+      <p:sp>
+        <p:nvSpPr>
+          <p:cNvPr id="5" name="TextBox 4">
+            <a:extLst>
+              <a:ext uri="{FF2B5EF4-FFF2-40B4-BE49-F238E27FC236}">
+                <a16:creationId xmlns:a16="http://schemas.microsoft.com/office/drawing/2014/main" id="{C22E7419-1E31-D243-82A7-8640AA4111D7}"/>
+              </a:ext>
+            </a:extLst>
+          </p:cNvPr>
+          <p:cNvSpPr txBox="1"/>
+          <p:nvPr/>
+        </p:nvSpPr>
+        <p:spPr>
+          <a:xfrm>
+            <a:off x="9082355" y="5496675"/>
+            <a:ext cx="1448656" cy="369332"/>
+          </a:xfrm>
+          <a:prstGeom prst="rect">
+            <a:avLst/>
+          </a:prstGeom>
+          <a:noFill/>
+        </p:spPr>
+        <p:txBody>
+          <a:bodyPr wrap="square" rtlCol="0">
+            <a:spAutoFit/>
+          </a:bodyPr>
+          <a:lstStyle/>
+          <a:p>
+            <a:r>
+              <a:rPr lang="en-US" dirty="0">
+                <a:solidFill>
+                  <a:srgbClr val="FF0000"/>
+                </a:solidFill>
+              </a:rPr>
+              <a:t>No elbow !!!</a:t>
+            </a:r>
+          </a:p>
+        </p:txBody>
+      </p:sp>
+      <p:cxnSp>
+        <p:nvCxnSpPr>
+          <p:cNvPr id="10" name="Straight Arrow Connector 9">
+            <a:extLst>
+              <a:ext uri="{FF2B5EF4-FFF2-40B4-BE49-F238E27FC236}">
+                <a16:creationId xmlns:a16="http://schemas.microsoft.com/office/drawing/2014/main" id="{5F6B2B8B-6B55-0F45-B4A2-626FD52A6E80}"/>
+              </a:ext>
+            </a:extLst>
+          </p:cNvPr>
+          <p:cNvCxnSpPr>
+            <a:cxnSpLocks/>
+          </p:cNvCxnSpPr>
+          <p:nvPr/>
+        </p:nvCxnSpPr>
+        <p:spPr>
+          <a:xfrm>
+            <a:off x="3760342" y="3061699"/>
+            <a:ext cx="92467" cy="3081307"/>
+          </a:xfrm>
+          <a:prstGeom prst="straightConnector1">
+            <a:avLst/>
+          </a:prstGeom>
+          <a:ln>
+            <a:tailEnd type="triangle"/>
+          </a:ln>
+        </p:spPr>
+        <p:style>
+          <a:lnRef idx="1">
+            <a:schemeClr val="accent1"/>
+          </a:lnRef>
+          <a:fillRef idx="0">
+            <a:schemeClr val="accent1"/>
+          </a:fillRef>
+          <a:effectRef idx="0">
+            <a:schemeClr val="accent1"/>
+          </a:effectRef>
+          <a:fontRef idx="minor">
+            <a:schemeClr val="tx1"/>
+          </a:fontRef>
+        </p:style>
+      </p:cxnSp>
+      <p:sp>
+        <p:nvSpPr>
+          <p:cNvPr id="14" name="TextBox 13">
+            <a:extLst>
+              <a:ext uri="{FF2B5EF4-FFF2-40B4-BE49-F238E27FC236}">
+                <a16:creationId xmlns:a16="http://schemas.microsoft.com/office/drawing/2014/main" id="{8CC2AE26-FE62-1F49-B8AA-EFD3F29F1484}"/>
+              </a:ext>
+            </a:extLst>
+          </p:cNvPr>
+          <p:cNvSpPr txBox="1"/>
+          <p:nvPr/>
+        </p:nvSpPr>
+        <p:spPr>
+          <a:xfrm>
+            <a:off x="3260332" y="6206898"/>
+            <a:ext cx="2195246" cy="646331"/>
+          </a:xfrm>
+          <a:prstGeom prst="rect">
+            <a:avLst/>
+          </a:prstGeom>
+          <a:noFill/>
+        </p:spPr>
+        <p:txBody>
+          <a:bodyPr wrap="square" rtlCol="0">
+            <a:spAutoFit/>
+          </a:bodyPr>
+          <a:lstStyle/>
+          <a:p>
+            <a:r>
+              <a:rPr lang="en-US" dirty="0">
+                <a:solidFill>
+                  <a:srgbClr val="FF0000"/>
+                </a:solidFill>
+              </a:rPr>
+              <a:t>Choose k =15 for clustering</a:t>
+            </a:r>
+          </a:p>
+        </p:txBody>
+      </p:sp>
     </p:spTree>
     <p:extLst>
       <p:ext uri="{BB962C8B-B14F-4D97-AF65-F5344CB8AC3E}">
@@ -4157,7 +5395,7 @@
           <a:p>
             <a:r>
               <a:rPr lang="en-US" dirty="0"/>
-              <a:t>The literatures in the cluster 2 are not very similar to each other</a:t>
+              <a:t>The distances in cluster 2 are ~5 fold lower than other clusters</a:t>
             </a:r>
           </a:p>
         </p:txBody>
@@ -4177,7 +5415,7 @@
           <p:nvPr/>
         </p:nvPicPr>
         <p:blipFill>
-          <a:blip r:embed="rId2"/>
+          <a:blip r:embed="rId3"/>
           <a:stretch>
             <a:fillRect/>
           </a:stretch>
@@ -4207,7 +5445,7 @@
           <p:nvPr/>
         </p:nvPicPr>
         <p:blipFill>
-          <a:blip r:embed="rId3"/>
+          <a:blip r:embed="rId4"/>
           <a:stretch>
             <a:fillRect/>
           </a:stretch>
@@ -4222,6 +5460,153 @@
           </a:prstGeom>
         </p:spPr>
       </p:pic>
+      <p:sp>
+        <p:nvSpPr>
+          <p:cNvPr id="3" name="Rectangle 2">
+            <a:extLst>
+              <a:ext uri="{FF2B5EF4-FFF2-40B4-BE49-F238E27FC236}">
+                <a16:creationId xmlns:a16="http://schemas.microsoft.com/office/drawing/2014/main" id="{D3C9955E-813C-F44A-B995-B810C620F27E}"/>
+              </a:ext>
+            </a:extLst>
+          </p:cNvPr>
+          <p:cNvSpPr/>
+          <p:nvPr/>
+        </p:nvSpPr>
+        <p:spPr>
+          <a:xfrm>
+            <a:off x="1705510" y="3801438"/>
+            <a:ext cx="287677" cy="1489754"/>
+          </a:xfrm>
+          <a:prstGeom prst="rect">
+            <a:avLst/>
+          </a:prstGeom>
+          <a:noFill/>
+          <a:ln>
+            <a:solidFill>
+              <a:srgbClr val="FF0000"/>
+            </a:solidFill>
+          </a:ln>
+        </p:spPr>
+        <p:style>
+          <a:lnRef idx="2">
+            <a:schemeClr val="accent1">
+              <a:shade val="50000"/>
+            </a:schemeClr>
+          </a:lnRef>
+          <a:fillRef idx="1">
+            <a:schemeClr val="accent1"/>
+          </a:fillRef>
+          <a:effectRef idx="0">
+            <a:schemeClr val="accent1"/>
+          </a:effectRef>
+          <a:fontRef idx="minor">
+            <a:schemeClr val="lt1"/>
+          </a:fontRef>
+        </p:style>
+        <p:txBody>
+          <a:bodyPr rtlCol="0" anchor="ctr"/>
+          <a:lstStyle/>
+          <a:p>
+            <a:pPr algn="ctr"/>
+            <a:endParaRPr lang="en-US">
+              <a:solidFill>
+                <a:srgbClr val="FF0000"/>
+              </a:solidFill>
+            </a:endParaRPr>
+          </a:p>
+        </p:txBody>
+      </p:sp>
+      <p:sp>
+        <p:nvSpPr>
+          <p:cNvPr id="4" name="TextBox 3">
+            <a:extLst>
+              <a:ext uri="{FF2B5EF4-FFF2-40B4-BE49-F238E27FC236}">
+                <a16:creationId xmlns:a16="http://schemas.microsoft.com/office/drawing/2014/main" id="{36AB5959-DF0C-3B4E-A3F1-BB594D81B225}"/>
+              </a:ext>
+            </a:extLst>
+          </p:cNvPr>
+          <p:cNvSpPr txBox="1"/>
+          <p:nvPr/>
+        </p:nvSpPr>
+        <p:spPr>
+          <a:xfrm>
+            <a:off x="1284269" y="5368898"/>
+            <a:ext cx="1130158" cy="369332"/>
+          </a:xfrm>
+          <a:prstGeom prst="rect">
+            <a:avLst/>
+          </a:prstGeom>
+          <a:noFill/>
+        </p:spPr>
+        <p:txBody>
+          <a:bodyPr wrap="square" rtlCol="0">
+            <a:spAutoFit/>
+          </a:bodyPr>
+          <a:lstStyle/>
+          <a:p>
+            <a:r>
+              <a:rPr lang="en-US" dirty="0"/>
+              <a:t>Cluster 2</a:t>
+            </a:r>
+          </a:p>
+        </p:txBody>
+      </p:sp>
+      <p:sp>
+        <p:nvSpPr>
+          <p:cNvPr id="8" name="Rectangle 7">
+            <a:extLst>
+              <a:ext uri="{FF2B5EF4-FFF2-40B4-BE49-F238E27FC236}">
+                <a16:creationId xmlns:a16="http://schemas.microsoft.com/office/drawing/2014/main" id="{ABF64B85-3537-DB4B-8890-1FC0E9C46C72}"/>
+              </a:ext>
+            </a:extLst>
+          </p:cNvPr>
+          <p:cNvSpPr/>
+          <p:nvPr/>
+        </p:nvSpPr>
+        <p:spPr>
+          <a:xfrm>
+            <a:off x="7437020" y="2525730"/>
+            <a:ext cx="287677" cy="1489754"/>
+          </a:xfrm>
+          <a:prstGeom prst="rect">
+            <a:avLst/>
+          </a:prstGeom>
+          <a:noFill/>
+          <a:ln>
+            <a:solidFill>
+              <a:srgbClr val="FF0000"/>
+            </a:solidFill>
+          </a:ln>
+        </p:spPr>
+        <p:style>
+          <a:lnRef idx="2">
+            <a:schemeClr val="accent1">
+              <a:shade val="50000"/>
+            </a:schemeClr>
+          </a:lnRef>
+          <a:fillRef idx="1">
+            <a:schemeClr val="accent1"/>
+          </a:fillRef>
+          <a:effectRef idx="0">
+            <a:schemeClr val="accent1"/>
+          </a:effectRef>
+          <a:fontRef idx="minor">
+            <a:schemeClr val="lt1"/>
+          </a:fontRef>
+        </p:style>
+        <p:txBody>
+          <a:bodyPr rtlCol="0" anchor="ctr"/>
+          <a:lstStyle/>
+          <a:p>
+            <a:pPr algn="ctr"/>
+            <a:endParaRPr lang="en-US">
+              <a:solidFill>
+                <a:srgbClr val="FF0000"/>
+              </a:solidFill>
+            </a:endParaRPr>
+          </a:p>
+        </p:txBody>
+      </p:sp>
     </p:spTree>
     <p:extLst>
       <p:ext uri="{BB962C8B-B14F-4D97-AF65-F5344CB8AC3E}">
@@ -4281,12 +5666,8 @@
           <a:lstStyle/>
           <a:p>
             <a:r>
-              <a:rPr lang="en-US" sz="3600" dirty="0" err="1"/>
-              <a:t>tSNE</a:t>
-            </a:r>
-            <a:r>
               <a:rPr lang="en-US" sz="3600" dirty="0"/>
-              <a:t> plot of </a:t>
+              <a:t>tSNE plot of </a:t>
             </a:r>
             <a:r>
               <a:rPr lang="en-US" sz="3600" dirty="0" err="1"/>
@@ -4294,15 +5675,7 @@
             </a:r>
             <a:r>
               <a:rPr lang="en-US" sz="3600" dirty="0"/>
-              <a:t> matrix colored by </a:t>
-            </a:r>
-            <a:r>
-              <a:rPr lang="en-US" sz="3600" dirty="0" err="1"/>
-              <a:t>kMeans</a:t>
-            </a:r>
-            <a:r>
-              <a:rPr lang="en-US" sz="3600" dirty="0"/>
-              <a:t> clustering labels</a:t>
+              <a:t> matrix colored by kMeans clustering labels</a:t>
             </a:r>
           </a:p>
         </p:txBody>
@@ -4336,6 +5709,97 @@
           </a:xfrm>
         </p:spPr>
       </p:pic>
+      <p:sp>
+        <p:nvSpPr>
+          <p:cNvPr id="4" name="Rectangle 3">
+            <a:extLst>
+              <a:ext uri="{FF2B5EF4-FFF2-40B4-BE49-F238E27FC236}">
+                <a16:creationId xmlns:a16="http://schemas.microsoft.com/office/drawing/2014/main" id="{38CE8A4D-9AAD-8E4C-9D24-8553DC330D51}"/>
+              </a:ext>
+            </a:extLst>
+          </p:cNvPr>
+          <p:cNvSpPr/>
+          <p:nvPr/>
+        </p:nvSpPr>
+        <p:spPr>
+          <a:xfrm rot="5400000">
+            <a:off x="9069514" y="2386175"/>
+            <a:ext cx="190074" cy="1489754"/>
+          </a:xfrm>
+          <a:prstGeom prst="rect">
+            <a:avLst/>
+          </a:prstGeom>
+          <a:noFill/>
+          <a:ln>
+            <a:solidFill>
+              <a:srgbClr val="FF0000"/>
+            </a:solidFill>
+          </a:ln>
+        </p:spPr>
+        <p:style>
+          <a:lnRef idx="2">
+            <a:schemeClr val="accent1">
+              <a:shade val="50000"/>
+            </a:schemeClr>
+          </a:lnRef>
+          <a:fillRef idx="1">
+            <a:schemeClr val="accent1"/>
+          </a:fillRef>
+          <a:effectRef idx="0">
+            <a:schemeClr val="accent1"/>
+          </a:effectRef>
+          <a:fontRef idx="minor">
+            <a:schemeClr val="lt1"/>
+          </a:fontRef>
+        </p:style>
+        <p:txBody>
+          <a:bodyPr rtlCol="0" anchor="ctr"/>
+          <a:lstStyle/>
+          <a:p>
+            <a:pPr algn="ctr"/>
+            <a:endParaRPr lang="en-US">
+              <a:solidFill>
+                <a:srgbClr val="FF0000"/>
+              </a:solidFill>
+            </a:endParaRPr>
+          </a:p>
+        </p:txBody>
+      </p:sp>
+      <p:sp>
+        <p:nvSpPr>
+          <p:cNvPr id="6" name="TextBox 5">
+            <a:extLst>
+              <a:ext uri="{FF2B5EF4-FFF2-40B4-BE49-F238E27FC236}">
+                <a16:creationId xmlns:a16="http://schemas.microsoft.com/office/drawing/2014/main" id="{ABC9219D-A189-0F49-AB34-B980749C34E2}"/>
+              </a:ext>
+            </a:extLst>
+          </p:cNvPr>
+          <p:cNvSpPr txBox="1"/>
+          <p:nvPr/>
+        </p:nvSpPr>
+        <p:spPr>
+          <a:xfrm>
+            <a:off x="9909428" y="2946386"/>
+            <a:ext cx="1130158" cy="369332"/>
+          </a:xfrm>
+          <a:prstGeom prst="rect">
+            <a:avLst/>
+          </a:prstGeom>
+          <a:noFill/>
+        </p:spPr>
+        <p:txBody>
+          <a:bodyPr wrap="square" rtlCol="0">
+            <a:spAutoFit/>
+          </a:bodyPr>
+          <a:lstStyle/>
+          <a:p>
+            <a:r>
+              <a:rPr lang="en-US" dirty="0"/>
+              <a:t>Cluster 2</a:t>
+            </a:r>
+          </a:p>
+        </p:txBody>
+      </p:sp>
     </p:spTree>
     <p:extLst>
       <p:ext uri="{BB962C8B-B14F-4D97-AF65-F5344CB8AC3E}">
@@ -4371,7 +5835,7 @@
           <p:cNvPr id="2" name="Title 1">
             <a:extLst>
               <a:ext uri="{FF2B5EF4-FFF2-40B4-BE49-F238E27FC236}">
-                <a16:creationId xmlns:a16="http://schemas.microsoft.com/office/drawing/2014/main" id="{E4FCC32A-87AE-E14A-B2DF-A17EFCA9906B}"/>
+                <a16:creationId xmlns:a16="http://schemas.microsoft.com/office/drawing/2014/main" id="{1C8C8605-3C9D-F54B-BBC0-8FAF819D5095}"/>
               </a:ext>
             </a:extLst>
           </p:cNvPr>
@@ -4381,93 +5845,268 @@
           <p:nvPr>
             <p:ph type="title"/>
           </p:nvPr>
+        </p:nvSpPr>
+        <p:spPr/>
+        <p:txBody>
+          <a:bodyPr/>
+          <a:lstStyle/>
+          <a:p>
+            <a:r>
+              <a:rPr lang="en-US" dirty="0"/>
+              <a:t>Processing</a:t>
+            </a:r>
+          </a:p>
+        </p:txBody>
+      </p:sp>
+      <p:sp>
+        <p:nvSpPr>
+          <p:cNvPr id="3" name="Content Placeholder 2">
+            <a:extLst>
+              <a:ext uri="{FF2B5EF4-FFF2-40B4-BE49-F238E27FC236}">
+                <a16:creationId xmlns:a16="http://schemas.microsoft.com/office/drawing/2014/main" id="{E8094B64-224D-2443-8BF7-D3391AACEF1B}"/>
+              </a:ext>
+            </a:extLst>
+          </p:cNvPr>
+          <p:cNvSpPr>
+            <a:spLocks noGrp="1"/>
+          </p:cNvSpPr>
+          <p:nvPr>
+            <p:ph idx="1"/>
+          </p:nvPr>
+        </p:nvSpPr>
+        <p:spPr/>
+        <p:txBody>
+          <a:bodyPr>
+            <a:normAutofit lnSpcReduction="10000"/>
+          </a:bodyPr>
+          <a:lstStyle/>
+          <a:p>
+            <a:r>
+              <a:rPr lang="en-US" dirty="0"/>
+              <a:t>Preprocessing:</a:t>
+            </a:r>
+          </a:p>
+          <a:p>
+            <a:pPr lvl="1"/>
+            <a:r>
+              <a:rPr lang="en-US" dirty="0"/>
+              <a:t>Remove all backslash, parenthesis and hyphen</a:t>
+            </a:r>
+            <a:r>
+              <a:rPr lang="en-US" dirty="0">
+                <a:effectLst/>
+              </a:rPr>
+              <a:t> </a:t>
+            </a:r>
+          </a:p>
+          <a:p>
+            <a:pPr lvl="1"/>
+            <a:r>
+              <a:rPr lang="en-US" dirty="0"/>
+              <a:t>Tokenize the abstract into the named entities, followed by lemmatization, string stripping, lowercasing.</a:t>
+            </a:r>
+          </a:p>
+          <a:p>
+            <a:pPr marL="457200" lvl="1" indent="0">
+              <a:buNone/>
+            </a:pPr>
+            <a:endParaRPr lang="en-US" dirty="0"/>
+          </a:p>
+          <a:p>
+            <a:r>
+              <a:rPr lang="en-US" dirty="0" err="1"/>
+              <a:t>TfidfVectorizer</a:t>
+            </a:r>
+            <a:endParaRPr lang="en-US" dirty="0"/>
+          </a:p>
+          <a:p>
+            <a:pPr lvl="1"/>
+            <a:r>
+              <a:rPr lang="en-US" dirty="0"/>
+              <a:t>2828 documents with 2075 words</a:t>
+            </a:r>
+          </a:p>
+          <a:p>
+            <a:pPr marL="457200" lvl="1" indent="0">
+              <a:buNone/>
+            </a:pPr>
+            <a:endParaRPr lang="en-US" dirty="0"/>
+          </a:p>
+          <a:p>
+            <a:r>
+              <a:rPr lang="en-US" dirty="0"/>
+              <a:t>Unsupervised clustering of abstract:</a:t>
+            </a:r>
+          </a:p>
+          <a:p>
+            <a:pPr marL="457200" lvl="1" indent="0">
+              <a:buNone/>
+            </a:pPr>
+            <a:r>
+              <a:rPr lang="en-US" dirty="0"/>
+              <a:t>(1) kMeans clustering </a:t>
+            </a:r>
+          </a:p>
+          <a:p>
+            <a:pPr marL="457200" lvl="1" indent="0">
+              <a:buNone/>
+            </a:pPr>
+            <a:r>
+              <a:rPr lang="en-US" dirty="0"/>
+              <a:t>(2) NMF topic modeling →kMeans clustering 　</a:t>
+            </a:r>
+          </a:p>
+          <a:p>
+            <a:pPr marL="457200" lvl="1" indent="0">
+              <a:buNone/>
+            </a:pPr>
+            <a:endParaRPr lang="en-US" dirty="0">
+              <a:effectLst/>
+            </a:endParaRPr>
+          </a:p>
+          <a:p>
+            <a:endParaRPr lang="en-US" dirty="0"/>
+          </a:p>
+          <a:p>
+            <a:endParaRPr lang="en-US" dirty="0"/>
+          </a:p>
+        </p:txBody>
+      </p:sp>
+      <p:sp>
+        <p:nvSpPr>
+          <p:cNvPr id="4" name="Rectangle 3">
+            <a:extLst>
+              <a:ext uri="{FF2B5EF4-FFF2-40B4-BE49-F238E27FC236}">
+                <a16:creationId xmlns:a16="http://schemas.microsoft.com/office/drawing/2014/main" id="{EDCA1520-80A5-6741-B6EB-2C5121D61D46}"/>
+              </a:ext>
+            </a:extLst>
+          </p:cNvPr>
+          <p:cNvSpPr/>
+          <p:nvPr/>
         </p:nvSpPr>
         <p:spPr>
           <a:xfrm>
-            <a:off x="6235700" y="365125"/>
-            <a:ext cx="5118100" cy="1325563"/>
-          </a:xfrm>
-        </p:spPr>
-        <p:txBody>
-          <a:bodyPr/>
-          <a:lstStyle/>
-          <a:p>
-            <a:r>
-              <a:rPr lang="en-US" dirty="0"/>
-              <a:t>NMF topic modeling</a:t>
-            </a:r>
-          </a:p>
-        </p:txBody>
-      </p:sp>
-      <p:pic>
-        <p:nvPicPr>
-          <p:cNvPr id="5" name="Content Placeholder 4">
-            <a:extLst>
-              <a:ext uri="{FF2B5EF4-FFF2-40B4-BE49-F238E27FC236}">
-                <a16:creationId xmlns:a16="http://schemas.microsoft.com/office/drawing/2014/main" id="{626D6E6C-8246-DB4C-A089-61592B53F5EB}"/>
-              </a:ext>
-            </a:extLst>
-          </p:cNvPr>
-          <p:cNvPicPr>
-            <a:picLocks noGrp="1" noChangeAspect="1"/>
-          </p:cNvPicPr>
-          <p:nvPr>
-            <p:ph idx="1"/>
-          </p:nvPr>
-        </p:nvPicPr>
-        <p:blipFill>
-          <a:blip r:embed="rId2"/>
-          <a:stretch>
-            <a:fillRect/>
-          </a:stretch>
-        </p:blipFill>
-        <p:spPr>
-          <a:xfrm>
-            <a:off x="545591" y="931027"/>
-            <a:ext cx="5355337" cy="5459073"/>
-          </a:xfrm>
-        </p:spPr>
-      </p:pic>
-      <p:pic>
-        <p:nvPicPr>
-          <p:cNvPr id="7" name="Picture 6">
-            <a:extLst>
-              <a:ext uri="{FF2B5EF4-FFF2-40B4-BE49-F238E27FC236}">
-                <a16:creationId xmlns:a16="http://schemas.microsoft.com/office/drawing/2014/main" id="{03C2F000-365C-084D-8056-75C495690899}"/>
-              </a:ext>
-            </a:extLst>
-          </p:cNvPr>
-          <p:cNvPicPr>
-            <a:picLocks noChangeAspect="1"/>
-          </p:cNvPicPr>
-          <p:nvPr/>
-        </p:nvPicPr>
-        <p:blipFill>
-          <a:blip r:embed="rId3"/>
-          <a:stretch>
-            <a:fillRect/>
-          </a:stretch>
-        </p:blipFill>
-        <p:spPr>
-          <a:xfrm>
-            <a:off x="6068314" y="2605500"/>
-            <a:ext cx="5118100" cy="3784600"/>
+            <a:off x="1202077" y="5618549"/>
+            <a:ext cx="5876818" cy="339047"/>
           </a:xfrm>
           <a:prstGeom prst="rect">
             <a:avLst/>
           </a:prstGeom>
+          <a:noFill/>
         </p:spPr>
-      </p:pic>
+        <p:style>
+          <a:lnRef idx="2">
+            <a:schemeClr val="accent1">
+              <a:shade val="50000"/>
+            </a:schemeClr>
+          </a:lnRef>
+          <a:fillRef idx="1">
+            <a:schemeClr val="accent1"/>
+          </a:fillRef>
+          <a:effectRef idx="0">
+            <a:schemeClr val="accent1"/>
+          </a:effectRef>
+          <a:fontRef idx="minor">
+            <a:schemeClr val="lt1"/>
+          </a:fontRef>
+        </p:style>
+        <p:txBody>
+          <a:bodyPr rtlCol="0" anchor="ctr"/>
+          <a:lstStyle/>
+          <a:p>
+            <a:pPr algn="ctr"/>
+            <a:endParaRPr lang="en-US" dirty="0"/>
+          </a:p>
+        </p:txBody>
+      </p:sp>
     </p:spTree>
     <p:extLst>
       <p:ext uri="{BB962C8B-B14F-4D97-AF65-F5344CB8AC3E}">
-        <p14:creationId xmlns:p14="http://schemas.microsoft.com/office/powerpoint/2010/main" val="3297382035"/>
+        <p14:creationId xmlns:p14="http://schemas.microsoft.com/office/powerpoint/2010/main" val="435371122"/>
       </p:ext>
     </p:extLst>
   </p:cSld>
   <p:clrMapOvr>
     <a:masterClrMapping/>
   </p:clrMapOvr>
+  <p:timing>
+    <p:tnLst>
+      <p:par>
+        <p:cTn id="1" dur="indefinite" restart="never" nodeType="tmRoot">
+          <p:childTnLst>
+            <p:seq concurrent="1" nextAc="seek">
+              <p:cTn id="2" dur="indefinite" nodeType="mainSeq">
+                <p:childTnLst>
+                  <p:par>
+                    <p:cTn id="3" fill="hold">
+                      <p:stCondLst>
+                        <p:cond delay="indefinite"/>
+                      </p:stCondLst>
+                      <p:childTnLst>
+                        <p:par>
+                          <p:cTn id="4" fill="hold">
+                            <p:stCondLst>
+                              <p:cond delay="0"/>
+                            </p:stCondLst>
+                            <p:childTnLst>
+                              <p:par>
+                                <p:cTn id="5" presetID="1" presetClass="entr" presetSubtype="0" fill="hold" grpId="0" nodeType="clickEffect">
+                                  <p:stCondLst>
+                                    <p:cond delay="0"/>
+                                  </p:stCondLst>
+                                  <p:childTnLst>
+                                    <p:set>
+                                      <p:cBhvr>
+                                        <p:cTn id="6" dur="1" fill="hold">
+                                          <p:stCondLst>
+                                            <p:cond delay="0"/>
+                                          </p:stCondLst>
+                                        </p:cTn>
+                                        <p:tgtEl>
+                                          <p:spTgt spid="4"/>
+                                        </p:tgtEl>
+                                        <p:attrNameLst>
+                                          <p:attrName>style.visibility</p:attrName>
+                                        </p:attrNameLst>
+                                      </p:cBhvr>
+                                      <p:to>
+                                        <p:strVal val="visible"/>
+                                      </p:to>
+                                    </p:set>
+                                  </p:childTnLst>
+                                </p:cTn>
+                              </p:par>
+                            </p:childTnLst>
+                          </p:cTn>
+                        </p:par>
+                      </p:childTnLst>
+                    </p:cTn>
+                  </p:par>
+                </p:childTnLst>
+              </p:cTn>
+              <p:prevCondLst>
+                <p:cond evt="onPrev" delay="0">
+                  <p:tgtEl>
+                    <p:sldTgt/>
+                  </p:tgtEl>
+                </p:cond>
+              </p:prevCondLst>
+              <p:nextCondLst>
+                <p:cond evt="onNext" delay="0">
+                  <p:tgtEl>
+                    <p:sldTgt/>
+                  </p:tgtEl>
+                </p:cond>
+              </p:nextCondLst>
+            </p:seq>
+          </p:childTnLst>
+        </p:cTn>
+      </p:par>
+    </p:tnLst>
+    <p:bldLst>
+      <p:bldP spid="4" grpId="0" animBg="1"/>
+    </p:bldLst>
+  </p:timing>
 </p:sld>
 </file>
 
@@ -4493,7 +6132,7 @@
           <p:cNvPr id="2" name="Title 1">
             <a:extLst>
               <a:ext uri="{FF2B5EF4-FFF2-40B4-BE49-F238E27FC236}">
-                <a16:creationId xmlns:a16="http://schemas.microsoft.com/office/drawing/2014/main" id="{D48582B6-D6DA-C24C-BD7F-F6AE1926E769}"/>
+                <a16:creationId xmlns:a16="http://schemas.microsoft.com/office/drawing/2014/main" id="{E4FCC32A-87AE-E14A-B2DF-A17EFCA9906B}"/>
               </a:ext>
             </a:extLst>
           </p:cNvPr>
@@ -4506,8 +6145,8 @@
         </p:nvSpPr>
         <p:spPr>
           <a:xfrm>
-            <a:off x="419100" y="262608"/>
-            <a:ext cx="11353800" cy="1325563"/>
+            <a:off x="6235700" y="365125"/>
+            <a:ext cx="5118100" cy="1325563"/>
           </a:xfrm>
         </p:spPr>
         <p:txBody>
@@ -4517,30 +6156,26 @@
           <a:lstStyle/>
           <a:p>
             <a:r>
-              <a:rPr lang="en-US" sz="3200" dirty="0" err="1"/>
-              <a:t>tSNE</a:t>
-            </a:r>
-            <a:r>
-              <a:rPr lang="en-US" sz="3200" dirty="0"/>
-              <a:t> plot of </a:t>
-            </a:r>
-            <a:r>
-              <a:rPr lang="en-US" sz="3200" dirty="0" err="1"/>
-              <a:t>doc_topic</a:t>
-            </a:r>
-            <a:r>
-              <a:rPr lang="en-US" sz="3200" dirty="0"/>
-              <a:t> matrix colored by topic with highest score</a:t>
+              <a:rPr lang="en-US" sz="2800" dirty="0"/>
+              <a:t>NMF topic modeling of 2828 documents with 2075 words vectorized by </a:t>
+            </a:r>
+            <a:r>
+              <a:rPr lang="en-US" sz="2800" dirty="0" err="1"/>
+              <a:t>Tfidf</a:t>
+            </a:r>
+            <a:r>
+              <a:rPr lang="en-US" sz="2800" dirty="0"/>
+              <a:t> vectorizer </a:t>
             </a:r>
           </a:p>
         </p:txBody>
       </p:sp>
       <p:pic>
         <p:nvPicPr>
-          <p:cNvPr id="7" name="Content Placeholder 6">
-            <a:extLst>
-              <a:ext uri="{FF2B5EF4-FFF2-40B4-BE49-F238E27FC236}">
-                <a16:creationId xmlns:a16="http://schemas.microsoft.com/office/drawing/2014/main" id="{EEF7EDBC-B3AE-2447-9534-AC40FE600EC1}"/>
+          <p:cNvPr id="5" name="Content Placeholder 4">
+            <a:extLst>
+              <a:ext uri="{FF2B5EF4-FFF2-40B4-BE49-F238E27FC236}">
+                <a16:creationId xmlns:a16="http://schemas.microsoft.com/office/drawing/2014/main" id="{626D6E6C-8246-DB4C-A089-61592B53F5EB}"/>
               </a:ext>
             </a:extLst>
           </p:cNvPr>
@@ -4552,22 +6187,164 @@
           </p:nvPr>
         </p:nvPicPr>
         <p:blipFill>
-          <a:blip r:embed="rId2"/>
+          <a:blip r:embed="rId3"/>
           <a:stretch>
             <a:fillRect/>
           </a:stretch>
         </p:blipFill>
         <p:spPr>
           <a:xfrm>
-            <a:off x="1156716" y="1588171"/>
-            <a:ext cx="9878568" cy="5269829"/>
+            <a:off x="545591" y="931027"/>
+            <a:ext cx="5355337" cy="5459073"/>
           </a:xfrm>
         </p:spPr>
       </p:pic>
+      <p:pic>
+        <p:nvPicPr>
+          <p:cNvPr id="7" name="Picture 6">
+            <a:extLst>
+              <a:ext uri="{FF2B5EF4-FFF2-40B4-BE49-F238E27FC236}">
+                <a16:creationId xmlns:a16="http://schemas.microsoft.com/office/drawing/2014/main" id="{03C2F000-365C-084D-8056-75C495690899}"/>
+              </a:ext>
+            </a:extLst>
+          </p:cNvPr>
+          <p:cNvPicPr>
+            <a:picLocks noChangeAspect="1"/>
+          </p:cNvPicPr>
+          <p:nvPr/>
+        </p:nvPicPr>
+        <p:blipFill>
+          <a:blip r:embed="rId4"/>
+          <a:stretch>
+            <a:fillRect/>
+          </a:stretch>
+        </p:blipFill>
+        <p:spPr>
+          <a:xfrm>
+            <a:off x="6068314" y="2605500"/>
+            <a:ext cx="5118100" cy="3784600"/>
+          </a:xfrm>
+          <a:prstGeom prst="rect">
+            <a:avLst/>
+          </a:prstGeom>
+        </p:spPr>
+      </p:pic>
+      <p:sp>
+        <p:nvSpPr>
+          <p:cNvPr id="6" name="Rectangle 5">
+            <a:extLst>
+              <a:ext uri="{FF2B5EF4-FFF2-40B4-BE49-F238E27FC236}">
+                <a16:creationId xmlns:a16="http://schemas.microsoft.com/office/drawing/2014/main" id="{69EFB3D9-6275-7247-A7FF-F33C627E8DAA}"/>
+              </a:ext>
+            </a:extLst>
+          </p:cNvPr>
+          <p:cNvSpPr/>
+          <p:nvPr/>
+        </p:nvSpPr>
+        <p:spPr>
+          <a:xfrm>
+            <a:off x="1407560" y="4068566"/>
+            <a:ext cx="287677" cy="1489754"/>
+          </a:xfrm>
+          <a:prstGeom prst="rect">
+            <a:avLst/>
+          </a:prstGeom>
+          <a:noFill/>
+          <a:ln>
+            <a:solidFill>
+              <a:srgbClr val="FF0000"/>
+            </a:solidFill>
+          </a:ln>
+        </p:spPr>
+        <p:style>
+          <a:lnRef idx="2">
+            <a:schemeClr val="accent1">
+              <a:shade val="50000"/>
+            </a:schemeClr>
+          </a:lnRef>
+          <a:fillRef idx="1">
+            <a:schemeClr val="accent1"/>
+          </a:fillRef>
+          <a:effectRef idx="0">
+            <a:schemeClr val="accent1"/>
+          </a:effectRef>
+          <a:fontRef idx="minor">
+            <a:schemeClr val="lt1"/>
+          </a:fontRef>
+        </p:style>
+        <p:txBody>
+          <a:bodyPr rtlCol="0" anchor="ctr"/>
+          <a:lstStyle/>
+          <a:p>
+            <a:pPr algn="ctr"/>
+            <a:endParaRPr lang="en-US">
+              <a:solidFill>
+                <a:srgbClr val="FF0000"/>
+              </a:solidFill>
+            </a:endParaRPr>
+          </a:p>
+        </p:txBody>
+      </p:sp>
+      <p:sp>
+        <p:nvSpPr>
+          <p:cNvPr id="8" name="Rectangle 7">
+            <a:extLst>
+              <a:ext uri="{FF2B5EF4-FFF2-40B4-BE49-F238E27FC236}">
+                <a16:creationId xmlns:a16="http://schemas.microsoft.com/office/drawing/2014/main" id="{CBF6AE91-E77C-3243-9DBE-1835439BB50C}"/>
+              </a:ext>
+            </a:extLst>
+          </p:cNvPr>
+          <p:cNvSpPr/>
+          <p:nvPr/>
+        </p:nvSpPr>
+        <p:spPr>
+          <a:xfrm>
+            <a:off x="6861425" y="4683303"/>
+            <a:ext cx="287677" cy="1489754"/>
+          </a:xfrm>
+          <a:prstGeom prst="rect">
+            <a:avLst/>
+          </a:prstGeom>
+          <a:noFill/>
+          <a:ln>
+            <a:solidFill>
+              <a:srgbClr val="FF0000"/>
+            </a:solidFill>
+          </a:ln>
+        </p:spPr>
+        <p:style>
+          <a:lnRef idx="2">
+            <a:schemeClr val="accent1">
+              <a:shade val="50000"/>
+            </a:schemeClr>
+          </a:lnRef>
+          <a:fillRef idx="1">
+            <a:schemeClr val="accent1"/>
+          </a:fillRef>
+          <a:effectRef idx="0">
+            <a:schemeClr val="accent1"/>
+          </a:effectRef>
+          <a:fontRef idx="minor">
+            <a:schemeClr val="lt1"/>
+          </a:fontRef>
+        </p:style>
+        <p:txBody>
+          <a:bodyPr rtlCol="0" anchor="ctr"/>
+          <a:lstStyle/>
+          <a:p>
+            <a:pPr algn="ctr"/>
+            <a:endParaRPr lang="en-US">
+              <a:solidFill>
+                <a:srgbClr val="FF0000"/>
+              </a:solidFill>
+            </a:endParaRPr>
+          </a:p>
+        </p:txBody>
+      </p:sp>
     </p:spTree>
     <p:extLst>
       <p:ext uri="{BB962C8B-B14F-4D97-AF65-F5344CB8AC3E}">
-        <p14:creationId xmlns:p14="http://schemas.microsoft.com/office/powerpoint/2010/main" val="450959857"/>
+        <p14:creationId xmlns:p14="http://schemas.microsoft.com/office/powerpoint/2010/main" val="3297382035"/>
       </p:ext>
     </p:extLst>
   </p:cSld>
@@ -4870,4 +6647,299 @@
     </a:ext>
   </a:extLst>
 </a:theme>
+</file>
+
+<file path=ppt/theme/theme2.xml><?xml version="1.0" encoding="utf-8"?>
+<a:theme xmlns:a="http://schemas.openxmlformats.org/drawingml/2006/main" name="Office Theme">
+  <a:themeElements>
+    <a:clrScheme name="Office">
+      <a:dk1>
+        <a:sysClr val="windowText" lastClr="000000"/>
+      </a:dk1>
+      <a:lt1>
+        <a:sysClr val="window" lastClr="FFFFFF"/>
+      </a:lt1>
+      <a:dk2>
+        <a:srgbClr val="44546A"/>
+      </a:dk2>
+      <a:lt2>
+        <a:srgbClr val="E7E6E6"/>
+      </a:lt2>
+      <a:accent1>
+        <a:srgbClr val="4472C4"/>
+      </a:accent1>
+      <a:accent2>
+        <a:srgbClr val="ED7D31"/>
+      </a:accent2>
+      <a:accent3>
+        <a:srgbClr val="A5A5A5"/>
+      </a:accent3>
+      <a:accent4>
+        <a:srgbClr val="FFC000"/>
+      </a:accent4>
+      <a:accent5>
+        <a:srgbClr val="5B9BD5"/>
+      </a:accent5>
+      <a:accent6>
+        <a:srgbClr val="70AD47"/>
+      </a:accent6>
+      <a:hlink>
+        <a:srgbClr val="0563C1"/>
+      </a:hlink>
+      <a:folHlink>
+        <a:srgbClr val="954F72"/>
+      </a:folHlink>
+    </a:clrScheme>
+    <a:fontScheme name="Office">
+      <a:majorFont>
+        <a:latin typeface="Calibri Light" panose="020F0302020204030204"/>
+        <a:ea typeface=""/>
+        <a:cs typeface=""/>
+        <a:font script="Jpan" typeface="游ゴシック Light"/>
+        <a:font script="Hang" typeface="맑은 고딕"/>
+        <a:font script="Hans" typeface="等线 Light"/>
+        <a:font script="Hant" typeface="新細明體"/>
+        <a:font script="Arab" typeface="Times New Roman"/>
+        <a:font script="Hebr" typeface="Times New Roman"/>
+        <a:font script="Thai" typeface="Angsana New"/>
+        <a:font script="Ethi" typeface="Nyala"/>
+        <a:font script="Beng" typeface="Vrinda"/>
+        <a:font script="Gujr" typeface="Shruti"/>
+        <a:font script="Khmr" typeface="MoolBoran"/>
+        <a:font script="Knda" typeface="Tunga"/>
+        <a:font script="Guru" typeface="Raavi"/>
+        <a:font script="Cans" typeface="Euphemia"/>
+        <a:font script="Cher" typeface="Plantagenet Cherokee"/>
+        <a:font script="Yiii" typeface="Microsoft Yi Baiti"/>
+        <a:font script="Tibt" typeface="Microsoft Himalaya"/>
+        <a:font script="Thaa" typeface="MV Boli"/>
+        <a:font script="Deva" typeface="Mangal"/>
+        <a:font script="Telu" typeface="Gautami"/>
+        <a:font script="Taml" typeface="Latha"/>
+        <a:font script="Syrc" typeface="Estrangelo Edessa"/>
+        <a:font script="Orya" typeface="Kalinga"/>
+        <a:font script="Mlym" typeface="Kartika"/>
+        <a:font script="Laoo" typeface="DokChampa"/>
+        <a:font script="Sinh" typeface="Iskoola Pota"/>
+        <a:font script="Mong" typeface="Mongolian Baiti"/>
+        <a:font script="Viet" typeface="Times New Roman"/>
+        <a:font script="Uigh" typeface="Microsoft Uighur"/>
+        <a:font script="Geor" typeface="Sylfaen"/>
+        <a:font script="Armn" typeface="Arial"/>
+        <a:font script="Bugi" typeface="Leelawadee UI"/>
+        <a:font script="Bopo" typeface="Microsoft JhengHei"/>
+        <a:font script="Java" typeface="Javanese Text"/>
+        <a:font script="Lisu" typeface="Segoe UI"/>
+        <a:font script="Mymr" typeface="Myanmar Text"/>
+        <a:font script="Nkoo" typeface="Ebrima"/>
+        <a:font script="Olck" typeface="Nirmala UI"/>
+        <a:font script="Osma" typeface="Ebrima"/>
+        <a:font script="Phag" typeface="Phagspa"/>
+        <a:font script="Syrn" typeface="Estrangelo Edessa"/>
+        <a:font script="Syrj" typeface="Estrangelo Edessa"/>
+        <a:font script="Syre" typeface="Estrangelo Edessa"/>
+        <a:font script="Sora" typeface="Nirmala UI"/>
+        <a:font script="Tale" typeface="Microsoft Tai Le"/>
+        <a:font script="Talu" typeface="Microsoft New Tai Lue"/>
+        <a:font script="Tfng" typeface="Ebrima"/>
+      </a:majorFont>
+      <a:minorFont>
+        <a:latin typeface="Calibri" panose="020F0502020204030204"/>
+        <a:ea typeface=""/>
+        <a:cs typeface=""/>
+        <a:font script="Jpan" typeface="游ゴシック"/>
+        <a:font script="Hang" typeface="맑은 고딕"/>
+        <a:font script="Hans" typeface="等线"/>
+        <a:font script="Hant" typeface="新細明體"/>
+        <a:font script="Arab" typeface="Arial"/>
+        <a:font script="Hebr" typeface="Arial"/>
+        <a:font script="Thai" typeface="Cordia New"/>
+        <a:font script="Ethi" typeface="Nyala"/>
+        <a:font script="Beng" typeface="Vrinda"/>
+        <a:font script="Gujr" typeface="Shruti"/>
+        <a:font script="Khmr" typeface="DaunPenh"/>
+        <a:font script="Knda" typeface="Tunga"/>
+        <a:font script="Guru" typeface="Raavi"/>
+        <a:font script="Cans" typeface="Euphemia"/>
+        <a:font script="Cher" typeface="Plantagenet Cherokee"/>
+        <a:font script="Yiii" typeface="Microsoft Yi Baiti"/>
+        <a:font script="Tibt" typeface="Microsoft Himalaya"/>
+        <a:font script="Thaa" typeface="MV Boli"/>
+        <a:font script="Deva" typeface="Mangal"/>
+        <a:font script="Telu" typeface="Gautami"/>
+        <a:font script="Taml" typeface="Latha"/>
+        <a:font script="Syrc" typeface="Estrangelo Edessa"/>
+        <a:font script="Orya" typeface="Kalinga"/>
+        <a:font script="Mlym" typeface="Kartika"/>
+        <a:font script="Laoo" typeface="DokChampa"/>
+        <a:font script="Sinh" typeface="Iskoola Pota"/>
+        <a:font script="Mong" typeface="Mongolian Baiti"/>
+        <a:font script="Viet" typeface="Arial"/>
+        <a:font script="Uigh" typeface="Microsoft Uighur"/>
+        <a:font script="Geor" typeface="Sylfaen"/>
+        <a:font script="Armn" typeface="Arial"/>
+        <a:font script="Bugi" typeface="Leelawadee UI"/>
+        <a:font script="Bopo" typeface="Microsoft JhengHei"/>
+        <a:font script="Java" typeface="Javanese Text"/>
+        <a:font script="Lisu" typeface="Segoe UI"/>
+        <a:font script="Mymr" typeface="Myanmar Text"/>
+        <a:font script="Nkoo" typeface="Ebrima"/>
+        <a:font script="Olck" typeface="Nirmala UI"/>
+        <a:font script="Osma" typeface="Ebrima"/>
+        <a:font script="Phag" typeface="Phagspa"/>
+        <a:font script="Syrn" typeface="Estrangelo Edessa"/>
+        <a:font script="Syrj" typeface="Estrangelo Edessa"/>
+        <a:font script="Syre" typeface="Estrangelo Edessa"/>
+        <a:font script="Sora" typeface="Nirmala UI"/>
+        <a:font script="Tale" typeface="Microsoft Tai Le"/>
+        <a:font script="Talu" typeface="Microsoft New Tai Lue"/>
+        <a:font script="Tfng" typeface="Ebrima"/>
+      </a:minorFont>
+    </a:fontScheme>
+    <a:fmtScheme name="Office">
+      <a:fillStyleLst>
+        <a:solidFill>
+          <a:schemeClr val="phClr"/>
+        </a:solidFill>
+        <a:gradFill rotWithShape="1">
+          <a:gsLst>
+            <a:gs pos="0">
+              <a:schemeClr val="phClr">
+                <a:lumMod val="110000"/>
+                <a:satMod val="105000"/>
+                <a:tint val="67000"/>
+              </a:schemeClr>
+            </a:gs>
+            <a:gs pos="50000">
+              <a:schemeClr val="phClr">
+                <a:lumMod val="105000"/>
+                <a:satMod val="103000"/>
+                <a:tint val="73000"/>
+              </a:schemeClr>
+            </a:gs>
+            <a:gs pos="100000">
+              <a:schemeClr val="phClr">
+                <a:lumMod val="105000"/>
+                <a:satMod val="109000"/>
+                <a:tint val="81000"/>
+              </a:schemeClr>
+            </a:gs>
+          </a:gsLst>
+          <a:lin ang="5400000" scaled="0"/>
+        </a:gradFill>
+        <a:gradFill rotWithShape="1">
+          <a:gsLst>
+            <a:gs pos="0">
+              <a:schemeClr val="phClr">
+                <a:satMod val="103000"/>
+                <a:lumMod val="102000"/>
+                <a:tint val="94000"/>
+              </a:schemeClr>
+            </a:gs>
+            <a:gs pos="50000">
+              <a:schemeClr val="phClr">
+                <a:satMod val="110000"/>
+                <a:lumMod val="100000"/>
+                <a:shade val="100000"/>
+              </a:schemeClr>
+            </a:gs>
+            <a:gs pos="100000">
+              <a:schemeClr val="phClr">
+                <a:lumMod val="99000"/>
+                <a:satMod val="120000"/>
+                <a:shade val="78000"/>
+              </a:schemeClr>
+            </a:gs>
+          </a:gsLst>
+          <a:lin ang="5400000" scaled="0"/>
+        </a:gradFill>
+      </a:fillStyleLst>
+      <a:lnStyleLst>
+        <a:ln w="6350" cap="flat" cmpd="sng" algn="ctr">
+          <a:solidFill>
+            <a:schemeClr val="phClr"/>
+          </a:solidFill>
+          <a:prstDash val="solid"/>
+          <a:miter lim="800000"/>
+        </a:ln>
+        <a:ln w="12700" cap="flat" cmpd="sng" algn="ctr">
+          <a:solidFill>
+            <a:schemeClr val="phClr"/>
+          </a:solidFill>
+          <a:prstDash val="solid"/>
+          <a:miter lim="800000"/>
+        </a:ln>
+        <a:ln w="19050" cap="flat" cmpd="sng" algn="ctr">
+          <a:solidFill>
+            <a:schemeClr val="phClr"/>
+          </a:solidFill>
+          <a:prstDash val="solid"/>
+          <a:miter lim="800000"/>
+        </a:ln>
+      </a:lnStyleLst>
+      <a:effectStyleLst>
+        <a:effectStyle>
+          <a:effectLst/>
+        </a:effectStyle>
+        <a:effectStyle>
+          <a:effectLst/>
+        </a:effectStyle>
+        <a:effectStyle>
+          <a:effectLst>
+            <a:outerShdw blurRad="57150" dist="19050" dir="5400000" algn="ctr" rotWithShape="0">
+              <a:srgbClr val="000000">
+                <a:alpha val="63000"/>
+              </a:srgbClr>
+            </a:outerShdw>
+          </a:effectLst>
+        </a:effectStyle>
+      </a:effectStyleLst>
+      <a:bgFillStyleLst>
+        <a:solidFill>
+          <a:schemeClr val="phClr"/>
+        </a:solidFill>
+        <a:solidFill>
+          <a:schemeClr val="phClr">
+            <a:tint val="95000"/>
+            <a:satMod val="170000"/>
+          </a:schemeClr>
+        </a:solidFill>
+        <a:gradFill rotWithShape="1">
+          <a:gsLst>
+            <a:gs pos="0">
+              <a:schemeClr val="phClr">
+                <a:tint val="93000"/>
+                <a:satMod val="150000"/>
+                <a:shade val="98000"/>
+                <a:lumMod val="102000"/>
+              </a:schemeClr>
+            </a:gs>
+            <a:gs pos="50000">
+              <a:schemeClr val="phClr">
+                <a:tint val="98000"/>
+                <a:satMod val="130000"/>
+                <a:shade val="90000"/>
+                <a:lumMod val="103000"/>
+              </a:schemeClr>
+            </a:gs>
+            <a:gs pos="100000">
+              <a:schemeClr val="phClr">
+                <a:shade val="63000"/>
+                <a:satMod val="120000"/>
+              </a:schemeClr>
+            </a:gs>
+          </a:gsLst>
+          <a:lin ang="5400000" scaled="0"/>
+        </a:gradFill>
+      </a:bgFillStyleLst>
+    </a:fmtScheme>
+  </a:themeElements>
+  <a:objectDefaults/>
+  <a:extraClrSchemeLst/>
+  <a:extLst>
+    <a:ext uri="{05A4C25C-085E-4340-85A3-A5531E510DB2}">
+      <thm15:themeFamily xmlns:thm15="http://schemas.microsoft.com/office/thememl/2012/main" name="Office Theme" id="{62F939B6-93AF-4DB8-9C6B-D6C7DFDC589F}" vid="{4A3C46E8-61CC-4603-A589-7422A47A8E4A}"/>
+    </a:ext>
+  </a:extLst>
+</a:theme>
 </file>